--- a/Week4/CTF.pptx
+++ b/Week4/CTF.pptx
@@ -5,10 +5,10 @@
     <p:sldMasterId id="2147483648" r:id="rId1"/>
   </p:sldMasterIdLst>
   <p:sldIdLst>
-    <p:sldId id="256" r:id="rId2"/>
-    <p:sldId id="257" r:id="rId3"/>
-    <p:sldId id="258" r:id="rId4"/>
-    <p:sldId id="259" r:id="rId5"/>
+    <p:sldId id="257" r:id="rId2"/>
+    <p:sldId id="258" r:id="rId3"/>
+    <p:sldId id="259" r:id="rId4"/>
+    <p:sldId id="261" r:id="rId5"/>
   </p:sldIdLst>
   <p:sldSz cx="12192000" cy="6858000"/>
   <p:notesSz cx="6858000" cy="9144000"/>
@@ -107,7 +107,451 @@
       </a:defRPr>
     </a:lvl9pPr>
   </p:defaultTextStyle>
+  <p:extLst>
+    <p:ext uri="{EFAFB233-063F-42B5-8137-9DF3F51BA10A}">
+      <p15:sldGuideLst xmlns:p15="http://schemas.microsoft.com/office/powerpoint/2012/main"/>
+    </p:ext>
+  </p:extLst>
 </p:presentation>
+</file>
+
+<file path=ppt/revisionInfo.xml><?xml version="1.0" encoding="utf-8"?>
+<p1510:revInfo xmlns:a="http://schemas.openxmlformats.org/drawingml/2006/main" xmlns:r="http://schemas.openxmlformats.org/officeDocument/2006/relationships" xmlns:p1510="http://schemas.microsoft.com/office/powerpoint/2015/10/main">
+  <p1510:revLst>
+    <p1510:client id="{EC44CE5F-2CDA-4914-9A84-D191FDFFE525}" v="23" dt="2025-03-14T14:48:00.211"/>
+  </p1510:revLst>
+</p1510:revInfo>
+</file>
+
+<file path=ppt/changesInfos/changesInfo1.xml><?xml version="1.0" encoding="utf-8"?>
+<pc:chgInfo xmlns:a="http://schemas.openxmlformats.org/drawingml/2006/main" xmlns:r="http://schemas.openxmlformats.org/officeDocument/2006/relationships" xmlns:ac="http://schemas.microsoft.com/office/drawing/2013/main/command" xmlns:pc="http://schemas.microsoft.com/office/powerpoint/2013/main/command">
+  <pc:docChgLst>
+    <pc:chgData name="Nguyễn Minh Hiển" userId="a6eeb9e3-e85b-4ad3-ae75-5c3c393ea8c0" providerId="ADAL" clId="{EC44CE5F-2CDA-4914-9A84-D191FDFFE525}"/>
+    <pc:docChg chg="undo custSel addSld delSld modSld sldOrd">
+      <pc:chgData name="Nguyễn Minh Hiển" userId="a6eeb9e3-e85b-4ad3-ae75-5c3c393ea8c0" providerId="ADAL" clId="{EC44CE5F-2CDA-4914-9A84-D191FDFFE525}" dt="2025-03-14T14:49:18.864" v="183" actId="1076"/>
+      <pc:docMkLst>
+        <pc:docMk/>
+      </pc:docMkLst>
+      <pc:sldChg chg="del">
+        <pc:chgData name="Nguyễn Minh Hiển" userId="a6eeb9e3-e85b-4ad3-ae75-5c3c393ea8c0" providerId="ADAL" clId="{EC44CE5F-2CDA-4914-9A84-D191FDFFE525}" dt="2025-03-14T14:41:36.096" v="0" actId="47"/>
+        <pc:sldMkLst>
+          <pc:docMk/>
+          <pc:sldMk cId="2687981443" sldId="256"/>
+        </pc:sldMkLst>
+      </pc:sldChg>
+      <pc:sldChg chg="modSp mod">
+        <pc:chgData name="Nguyễn Minh Hiển" userId="a6eeb9e3-e85b-4ad3-ae75-5c3c393ea8c0" providerId="ADAL" clId="{EC44CE5F-2CDA-4914-9A84-D191FDFFE525}" dt="2025-03-14T14:41:53.760" v="32" actId="20577"/>
+        <pc:sldMkLst>
+          <pc:docMk/>
+          <pc:sldMk cId="2987804382" sldId="257"/>
+        </pc:sldMkLst>
+        <pc:spChg chg="mod">
+          <ac:chgData name="Nguyễn Minh Hiển" userId="a6eeb9e3-e85b-4ad3-ae75-5c3c393ea8c0" providerId="ADAL" clId="{EC44CE5F-2CDA-4914-9A84-D191FDFFE525}" dt="2025-03-14T14:41:53.760" v="32" actId="20577"/>
+          <ac:spMkLst>
+            <pc:docMk/>
+            <pc:sldMk cId="2987804382" sldId="257"/>
+            <ac:spMk id="6" creationId="{F4860B69-F69A-46B8-89B7-76C7592159E0}"/>
+          </ac:spMkLst>
+        </pc:spChg>
+      </pc:sldChg>
+      <pc:sldChg chg="modSp mod">
+        <pc:chgData name="Nguyễn Minh Hiển" userId="a6eeb9e3-e85b-4ad3-ae75-5c3c393ea8c0" providerId="ADAL" clId="{EC44CE5F-2CDA-4914-9A84-D191FDFFE525}" dt="2025-03-14T14:42:02.209" v="36" actId="20577"/>
+        <pc:sldMkLst>
+          <pc:docMk/>
+          <pc:sldMk cId="3948114598" sldId="258"/>
+        </pc:sldMkLst>
+        <pc:spChg chg="mod">
+          <ac:chgData name="Nguyễn Minh Hiển" userId="a6eeb9e3-e85b-4ad3-ae75-5c3c393ea8c0" providerId="ADAL" clId="{EC44CE5F-2CDA-4914-9A84-D191FDFFE525}" dt="2025-03-14T14:42:02.209" v="36" actId="20577"/>
+          <ac:spMkLst>
+            <pc:docMk/>
+            <pc:sldMk cId="3948114598" sldId="258"/>
+            <ac:spMk id="6" creationId="{BDB30D8E-EFEF-9546-5F82-8D18505CCD2E}"/>
+          </ac:spMkLst>
+        </pc:spChg>
+      </pc:sldChg>
+      <pc:sldChg chg="modSp mod">
+        <pc:chgData name="Nguyễn Minh Hiển" userId="a6eeb9e3-e85b-4ad3-ae75-5c3c393ea8c0" providerId="ADAL" clId="{EC44CE5F-2CDA-4914-9A84-D191FDFFE525}" dt="2025-03-14T14:42:08.729" v="40" actId="20577"/>
+        <pc:sldMkLst>
+          <pc:docMk/>
+          <pc:sldMk cId="3822188600" sldId="259"/>
+        </pc:sldMkLst>
+        <pc:spChg chg="mod">
+          <ac:chgData name="Nguyễn Minh Hiển" userId="a6eeb9e3-e85b-4ad3-ae75-5c3c393ea8c0" providerId="ADAL" clId="{EC44CE5F-2CDA-4914-9A84-D191FDFFE525}" dt="2025-03-14T14:42:08.729" v="40" actId="20577"/>
+          <ac:spMkLst>
+            <pc:docMk/>
+            <pc:sldMk cId="3822188600" sldId="259"/>
+            <ac:spMk id="6" creationId="{5A72FA91-8FB1-9D0F-4888-9E01BF7D6E5D}"/>
+          </ac:spMkLst>
+        </pc:spChg>
+      </pc:sldChg>
+      <pc:sldChg chg="new del">
+        <pc:chgData name="Nguyễn Minh Hiển" userId="a6eeb9e3-e85b-4ad3-ae75-5c3c393ea8c0" providerId="ADAL" clId="{EC44CE5F-2CDA-4914-9A84-D191FDFFE525}" dt="2025-03-14T14:42:19.725" v="47" actId="47"/>
+        <pc:sldMkLst>
+          <pc:docMk/>
+          <pc:sldMk cId="3747786657" sldId="260"/>
+        </pc:sldMkLst>
+      </pc:sldChg>
+      <pc:sldChg chg="addSp delSp modSp add mod ord">
+        <pc:chgData name="Nguyễn Minh Hiển" userId="a6eeb9e3-e85b-4ad3-ae75-5c3c393ea8c0" providerId="ADAL" clId="{EC44CE5F-2CDA-4914-9A84-D191FDFFE525}" dt="2025-03-14T14:49:18.864" v="183" actId="1076"/>
+        <pc:sldMkLst>
+          <pc:docMk/>
+          <pc:sldMk cId="1056539643" sldId="261"/>
+        </pc:sldMkLst>
+        <pc:spChg chg="mod">
+          <ac:chgData name="Nguyễn Minh Hiển" userId="a6eeb9e3-e85b-4ad3-ae75-5c3c393ea8c0" providerId="ADAL" clId="{EC44CE5F-2CDA-4914-9A84-D191FDFFE525}" dt="2025-03-14T14:48:32.941" v="178" actId="12788"/>
+          <ac:spMkLst>
+            <pc:docMk/>
+            <pc:sldMk cId="1056539643" sldId="261"/>
+            <ac:spMk id="6" creationId="{2389B147-0FE6-456E-01D2-03EACB642B15}"/>
+          </ac:spMkLst>
+        </pc:spChg>
+        <pc:spChg chg="del">
+          <ac:chgData name="Nguyễn Minh Hiển" userId="a6eeb9e3-e85b-4ad3-ae75-5c3c393ea8c0" providerId="ADAL" clId="{EC44CE5F-2CDA-4914-9A84-D191FDFFE525}" dt="2025-03-14T14:43:06.256" v="75" actId="478"/>
+          <ac:spMkLst>
+            <pc:docMk/>
+            <pc:sldMk cId="1056539643" sldId="261"/>
+            <ac:spMk id="8" creationId="{85E4A02F-31B0-352C-8CCD-A321526568EB}"/>
+          </ac:spMkLst>
+        </pc:spChg>
+        <pc:spChg chg="mod">
+          <ac:chgData name="Nguyễn Minh Hiển" userId="a6eeb9e3-e85b-4ad3-ae75-5c3c393ea8c0" providerId="ADAL" clId="{EC44CE5F-2CDA-4914-9A84-D191FDFFE525}" dt="2025-03-14T14:48:32.941" v="178" actId="12788"/>
+          <ac:spMkLst>
+            <pc:docMk/>
+            <pc:sldMk cId="1056539643" sldId="261"/>
+            <ac:spMk id="9" creationId="{258A3EF0-2E6F-B50C-9310-41F7EE2A6FF4}"/>
+          </ac:spMkLst>
+        </pc:spChg>
+        <pc:spChg chg="mod">
+          <ac:chgData name="Nguyễn Minh Hiển" userId="a6eeb9e3-e85b-4ad3-ae75-5c3c393ea8c0" providerId="ADAL" clId="{EC44CE5F-2CDA-4914-9A84-D191FDFFE525}" dt="2025-03-14T14:45:12.412" v="116" actId="14100"/>
+          <ac:spMkLst>
+            <pc:docMk/>
+            <pc:sldMk cId="1056539643" sldId="261"/>
+            <ac:spMk id="10" creationId="{D84E1E03-7354-3F00-191F-7FA081A84FF1}"/>
+          </ac:spMkLst>
+        </pc:spChg>
+        <pc:spChg chg="mod">
+          <ac:chgData name="Nguyễn Minh Hiển" userId="a6eeb9e3-e85b-4ad3-ae75-5c3c393ea8c0" providerId="ADAL" clId="{EC44CE5F-2CDA-4914-9A84-D191FDFFE525}" dt="2025-03-14T14:48:32.941" v="178" actId="12788"/>
+          <ac:spMkLst>
+            <pc:docMk/>
+            <pc:sldMk cId="1056539643" sldId="261"/>
+            <ac:spMk id="24" creationId="{C63EF633-DDA1-8933-E195-8F0E8F41E294}"/>
+          </ac:spMkLst>
+        </pc:spChg>
+        <pc:spChg chg="mod">
+          <ac:chgData name="Nguyễn Minh Hiển" userId="a6eeb9e3-e85b-4ad3-ae75-5c3c393ea8c0" providerId="ADAL" clId="{EC44CE5F-2CDA-4914-9A84-D191FDFFE525}" dt="2025-03-14T14:47:51.466" v="165"/>
+          <ac:spMkLst>
+            <pc:docMk/>
+            <pc:sldMk cId="1056539643" sldId="261"/>
+            <ac:spMk id="25" creationId="{6CA274E5-8F16-568C-5255-378BFF9CEE97}"/>
+          </ac:spMkLst>
+        </pc:spChg>
+        <pc:spChg chg="mod">
+          <ac:chgData name="Nguyễn Minh Hiển" userId="a6eeb9e3-e85b-4ad3-ae75-5c3c393ea8c0" providerId="ADAL" clId="{EC44CE5F-2CDA-4914-9A84-D191FDFFE525}" dt="2025-03-14T14:49:18.864" v="183" actId="1076"/>
+          <ac:spMkLst>
+            <pc:docMk/>
+            <pc:sldMk cId="1056539643" sldId="261"/>
+            <ac:spMk id="31" creationId="{D5D9BBD7-A1EE-E34B-8A82-0573A64D2FA9}"/>
+          </ac:spMkLst>
+        </pc:spChg>
+        <pc:spChg chg="mod">
+          <ac:chgData name="Nguyễn Minh Hiển" userId="a6eeb9e3-e85b-4ad3-ae75-5c3c393ea8c0" providerId="ADAL" clId="{EC44CE5F-2CDA-4914-9A84-D191FDFFE525}" dt="2025-03-14T14:48:48.610" v="180" actId="1076"/>
+          <ac:spMkLst>
+            <pc:docMk/>
+            <pc:sldMk cId="1056539643" sldId="261"/>
+            <ac:spMk id="32" creationId="{C99EA8A5-886D-1133-8AC7-739993AFE40D}"/>
+          </ac:spMkLst>
+        </pc:spChg>
+        <pc:spChg chg="mod">
+          <ac:chgData name="Nguyễn Minh Hiển" userId="a6eeb9e3-e85b-4ad3-ae75-5c3c393ea8c0" providerId="ADAL" clId="{EC44CE5F-2CDA-4914-9A84-D191FDFFE525}" dt="2025-03-14T14:48:32.941" v="178" actId="12788"/>
+          <ac:spMkLst>
+            <pc:docMk/>
+            <pc:sldMk cId="1056539643" sldId="261"/>
+            <ac:spMk id="33" creationId="{DD61F0C4-AE82-66B7-52C7-20E9FC4BA8B7}"/>
+          </ac:spMkLst>
+        </pc:spChg>
+        <pc:spChg chg="mod">
+          <ac:chgData name="Nguyễn Minh Hiển" userId="a6eeb9e3-e85b-4ad3-ae75-5c3c393ea8c0" providerId="ADAL" clId="{EC44CE5F-2CDA-4914-9A84-D191FDFFE525}" dt="2025-03-14T14:48:02.452" v="174"/>
+          <ac:spMkLst>
+            <pc:docMk/>
+            <pc:sldMk cId="1056539643" sldId="261"/>
+            <ac:spMk id="34" creationId="{9EACE993-E655-FF12-CC3E-F6865E2BDFBC}"/>
+          </ac:spMkLst>
+        </pc:spChg>
+        <pc:spChg chg="mod">
+          <ac:chgData name="Nguyễn Minh Hiển" userId="a6eeb9e3-e85b-4ad3-ae75-5c3c393ea8c0" providerId="ADAL" clId="{EC44CE5F-2CDA-4914-9A84-D191FDFFE525}" dt="2025-03-14T14:49:18.864" v="183" actId="1076"/>
+          <ac:spMkLst>
+            <pc:docMk/>
+            <pc:sldMk cId="1056539643" sldId="261"/>
+            <ac:spMk id="37" creationId="{F4AE7A08-25C1-FC6C-96E8-4B7BC7DEBF7B}"/>
+          </ac:spMkLst>
+        </pc:spChg>
+        <pc:spChg chg="mod">
+          <ac:chgData name="Nguyễn Minh Hiển" userId="a6eeb9e3-e85b-4ad3-ae75-5c3c393ea8c0" providerId="ADAL" clId="{EC44CE5F-2CDA-4914-9A84-D191FDFFE525}" dt="2025-03-14T14:48:48.610" v="180" actId="1076"/>
+          <ac:spMkLst>
+            <pc:docMk/>
+            <pc:sldMk cId="1056539643" sldId="261"/>
+            <ac:spMk id="38" creationId="{46DDCC44-85BD-71CD-CE31-E22C0243AB97}"/>
+          </ac:spMkLst>
+        </pc:spChg>
+        <pc:spChg chg="del">
+          <ac:chgData name="Nguyễn Minh Hiển" userId="a6eeb9e3-e85b-4ad3-ae75-5c3c393ea8c0" providerId="ADAL" clId="{EC44CE5F-2CDA-4914-9A84-D191FDFFE525}" dt="2025-03-14T14:46:20.550" v="135" actId="478"/>
+          <ac:spMkLst>
+            <pc:docMk/>
+            <pc:sldMk cId="1056539643" sldId="261"/>
+            <ac:spMk id="39" creationId="{2541E2CF-C4B8-47C2-3A2F-5F3FB20168F5}"/>
+          </ac:spMkLst>
+        </pc:spChg>
+        <pc:spChg chg="del">
+          <ac:chgData name="Nguyễn Minh Hiển" userId="a6eeb9e3-e85b-4ad3-ae75-5c3c393ea8c0" providerId="ADAL" clId="{EC44CE5F-2CDA-4914-9A84-D191FDFFE525}" dt="2025-03-14T14:46:20.550" v="135" actId="478"/>
+          <ac:spMkLst>
+            <pc:docMk/>
+            <pc:sldMk cId="1056539643" sldId="261"/>
+            <ac:spMk id="40" creationId="{46C6653B-D3B8-DEE7-1D8F-F16E428A1F9C}"/>
+          </ac:spMkLst>
+        </pc:spChg>
+        <pc:spChg chg="del">
+          <ac:chgData name="Nguyễn Minh Hiển" userId="a6eeb9e3-e85b-4ad3-ae75-5c3c393ea8c0" providerId="ADAL" clId="{EC44CE5F-2CDA-4914-9A84-D191FDFFE525}" dt="2025-03-14T14:46:20.550" v="135" actId="478"/>
+          <ac:spMkLst>
+            <pc:docMk/>
+            <pc:sldMk cId="1056539643" sldId="261"/>
+            <ac:spMk id="43" creationId="{5E964776-D928-891F-1355-E9A452CC4E40}"/>
+          </ac:spMkLst>
+        </pc:spChg>
+        <pc:spChg chg="mod">
+          <ac:chgData name="Nguyễn Minh Hiển" userId="a6eeb9e3-e85b-4ad3-ae75-5c3c393ea8c0" providerId="ADAL" clId="{EC44CE5F-2CDA-4914-9A84-D191FDFFE525}" dt="2025-03-14T14:48:48.610" v="180" actId="1076"/>
+          <ac:spMkLst>
+            <pc:docMk/>
+            <pc:sldMk cId="1056539643" sldId="261"/>
+            <ac:spMk id="44" creationId="{633BA102-7F46-D4ED-2450-FCA1021A3EC2}"/>
+          </ac:spMkLst>
+        </pc:spChg>
+        <pc:spChg chg="del">
+          <ac:chgData name="Nguyễn Minh Hiển" userId="a6eeb9e3-e85b-4ad3-ae75-5c3c393ea8c0" providerId="ADAL" clId="{EC44CE5F-2CDA-4914-9A84-D191FDFFE525}" dt="2025-03-14T14:46:20.550" v="135" actId="478"/>
+          <ac:spMkLst>
+            <pc:docMk/>
+            <pc:sldMk cId="1056539643" sldId="261"/>
+            <ac:spMk id="69" creationId="{548AA454-D90D-76DC-4AEA-BED697114DB0}"/>
+          </ac:spMkLst>
+        </pc:spChg>
+        <pc:spChg chg="del">
+          <ac:chgData name="Nguyễn Minh Hiển" userId="a6eeb9e3-e85b-4ad3-ae75-5c3c393ea8c0" providerId="ADAL" clId="{EC44CE5F-2CDA-4914-9A84-D191FDFFE525}" dt="2025-03-14T14:46:20.550" v="135" actId="478"/>
+          <ac:spMkLst>
+            <pc:docMk/>
+            <pc:sldMk cId="1056539643" sldId="261"/>
+            <ac:spMk id="70" creationId="{B1F43F0E-BCD2-56E3-21B8-16F559F77F1F}"/>
+          </ac:spMkLst>
+        </pc:spChg>
+        <pc:spChg chg="del">
+          <ac:chgData name="Nguyễn Minh Hiển" userId="a6eeb9e3-e85b-4ad3-ae75-5c3c393ea8c0" providerId="ADAL" clId="{EC44CE5F-2CDA-4914-9A84-D191FDFFE525}" dt="2025-03-14T14:46:20.550" v="135" actId="478"/>
+          <ac:spMkLst>
+            <pc:docMk/>
+            <pc:sldMk cId="1056539643" sldId="261"/>
+            <ac:spMk id="73" creationId="{61988DB6-2AA4-BEFD-F974-00907A66372B}"/>
+          </ac:spMkLst>
+        </pc:spChg>
+        <pc:spChg chg="del">
+          <ac:chgData name="Nguyễn Minh Hiển" userId="a6eeb9e3-e85b-4ad3-ae75-5c3c393ea8c0" providerId="ADAL" clId="{EC44CE5F-2CDA-4914-9A84-D191FDFFE525}" dt="2025-03-14T14:46:20.550" v="135" actId="478"/>
+          <ac:spMkLst>
+            <pc:docMk/>
+            <pc:sldMk cId="1056539643" sldId="261"/>
+            <ac:spMk id="74" creationId="{CF576278-4304-0570-370B-D0FCC058F274}"/>
+          </ac:spMkLst>
+        </pc:spChg>
+        <pc:spChg chg="mod">
+          <ac:chgData name="Nguyễn Minh Hiển" userId="a6eeb9e3-e85b-4ad3-ae75-5c3c393ea8c0" providerId="ADAL" clId="{EC44CE5F-2CDA-4914-9A84-D191FDFFE525}" dt="2025-03-14T14:48:38.262" v="179" actId="20577"/>
+          <ac:spMkLst>
+            <pc:docMk/>
+            <pc:sldMk cId="1056539643" sldId="261"/>
+            <ac:spMk id="75" creationId="{4332FCAC-9750-FBA7-F195-A51D9A0E6E72}"/>
+          </ac:spMkLst>
+        </pc:spChg>
+        <pc:spChg chg="del">
+          <ac:chgData name="Nguyễn Minh Hiển" userId="a6eeb9e3-e85b-4ad3-ae75-5c3c393ea8c0" providerId="ADAL" clId="{EC44CE5F-2CDA-4914-9A84-D191FDFFE525}" dt="2025-03-14T14:46:20.550" v="135" actId="478"/>
+          <ac:spMkLst>
+            <pc:docMk/>
+            <pc:sldMk cId="1056539643" sldId="261"/>
+            <ac:spMk id="77" creationId="{749B7164-1D0E-501C-C0BF-25101DE091AB}"/>
+          </ac:spMkLst>
+        </pc:spChg>
+        <pc:spChg chg="del">
+          <ac:chgData name="Nguyễn Minh Hiển" userId="a6eeb9e3-e85b-4ad3-ae75-5c3c393ea8c0" providerId="ADAL" clId="{EC44CE5F-2CDA-4914-9A84-D191FDFFE525}" dt="2025-03-14T14:47:19.518" v="151" actId="478"/>
+          <ac:spMkLst>
+            <pc:docMk/>
+            <pc:sldMk cId="1056539643" sldId="261"/>
+            <ac:spMk id="78" creationId="{C580B76C-AB6D-7361-9572-B8243FDDCE17}"/>
+          </ac:spMkLst>
+        </pc:spChg>
+        <pc:graphicFrameChg chg="add del mod">
+          <ac:chgData name="Nguyễn Minh Hiển" userId="a6eeb9e3-e85b-4ad3-ae75-5c3c393ea8c0" providerId="ADAL" clId="{EC44CE5F-2CDA-4914-9A84-D191FDFFE525}" dt="2025-03-14T14:43:50.395" v="84"/>
+          <ac:graphicFrameMkLst>
+            <pc:docMk/>
+            <pc:sldMk cId="1056539643" sldId="261"/>
+            <ac:graphicFrameMk id="2" creationId="{E7403FC0-3E92-732D-759F-91CA4D625B3E}"/>
+          </ac:graphicFrameMkLst>
+        </pc:graphicFrameChg>
+        <pc:graphicFrameChg chg="add del mod">
+          <ac:chgData name="Nguyễn Minh Hiển" userId="a6eeb9e3-e85b-4ad3-ae75-5c3c393ea8c0" providerId="ADAL" clId="{EC44CE5F-2CDA-4914-9A84-D191FDFFE525}" dt="2025-03-14T14:45:04.720" v="114"/>
+          <ac:graphicFrameMkLst>
+            <pc:docMk/>
+            <pc:sldMk cId="1056539643" sldId="261"/>
+            <ac:graphicFrameMk id="18" creationId="{2711483F-4A85-1877-9A59-A8275040F651}"/>
+          </ac:graphicFrameMkLst>
+        </pc:graphicFrameChg>
+        <pc:graphicFrameChg chg="add del mod">
+          <ac:chgData name="Nguyễn Minh Hiển" userId="a6eeb9e3-e85b-4ad3-ae75-5c3c393ea8c0" providerId="ADAL" clId="{EC44CE5F-2CDA-4914-9A84-D191FDFFE525}" dt="2025-03-14T14:45:26.772" v="124"/>
+          <ac:graphicFrameMkLst>
+            <pc:docMk/>
+            <pc:sldMk cId="1056539643" sldId="261"/>
+            <ac:graphicFrameMk id="21" creationId="{33705963-A9E7-82CF-5C6B-4D90B688EF0C}"/>
+          </ac:graphicFrameMkLst>
+        </pc:graphicFrameChg>
+        <pc:graphicFrameChg chg="add del mod">
+          <ac:chgData name="Nguyễn Minh Hiển" userId="a6eeb9e3-e85b-4ad3-ae75-5c3c393ea8c0" providerId="ADAL" clId="{EC44CE5F-2CDA-4914-9A84-D191FDFFE525}" dt="2025-03-14T14:47:49.433" v="164"/>
+          <ac:graphicFrameMkLst>
+            <pc:docMk/>
+            <pc:sldMk cId="1056539643" sldId="261"/>
+            <ac:graphicFrameMk id="58" creationId="{3B29412B-8A19-4C27-095D-FD57F0C3118D}"/>
+          </ac:graphicFrameMkLst>
+        </pc:graphicFrameChg>
+        <pc:graphicFrameChg chg="add del mod">
+          <ac:chgData name="Nguyễn Minh Hiển" userId="a6eeb9e3-e85b-4ad3-ae75-5c3c393ea8c0" providerId="ADAL" clId="{EC44CE5F-2CDA-4914-9A84-D191FDFFE525}" dt="2025-03-14T14:48:00.211" v="173"/>
+          <ac:graphicFrameMkLst>
+            <pc:docMk/>
+            <pc:sldMk cId="1056539643" sldId="261"/>
+            <ac:graphicFrameMk id="59" creationId="{80DC911E-100A-6A3D-4904-C7E60E9DFC37}"/>
+          </ac:graphicFrameMkLst>
+        </pc:graphicFrameChg>
+        <pc:cxnChg chg="mod">
+          <ac:chgData name="Nguyễn Minh Hiển" userId="a6eeb9e3-e85b-4ad3-ae75-5c3c393ea8c0" providerId="ADAL" clId="{EC44CE5F-2CDA-4914-9A84-D191FDFFE525}" dt="2025-03-14T14:48:52.240" v="181" actId="14100"/>
+          <ac:cxnSpMkLst>
+            <pc:docMk/>
+            <pc:sldMk cId="1056539643" sldId="261"/>
+            <ac:cxnSpMk id="7" creationId="{E59DEF21-0C07-5756-C9E6-9E443E57470F}"/>
+          </ac:cxnSpMkLst>
+        </pc:cxnChg>
+        <pc:cxnChg chg="del mod">
+          <ac:chgData name="Nguyễn Minh Hiển" userId="a6eeb9e3-e85b-4ad3-ae75-5c3c393ea8c0" providerId="ADAL" clId="{EC44CE5F-2CDA-4914-9A84-D191FDFFE525}" dt="2025-03-14T14:43:06.256" v="75" actId="478"/>
+          <ac:cxnSpMkLst>
+            <pc:docMk/>
+            <pc:sldMk cId="1056539643" sldId="261"/>
+            <ac:cxnSpMk id="11" creationId="{3E15B5F8-A805-8743-3CB5-D1A4A7CAA931}"/>
+          </ac:cxnSpMkLst>
+        </pc:cxnChg>
+        <pc:cxnChg chg="mod">
+          <ac:chgData name="Nguyễn Minh Hiển" userId="a6eeb9e3-e85b-4ad3-ae75-5c3c393ea8c0" providerId="ADAL" clId="{EC44CE5F-2CDA-4914-9A84-D191FDFFE525}" dt="2025-03-14T14:48:32.941" v="178" actId="12788"/>
+          <ac:cxnSpMkLst>
+            <pc:docMk/>
+            <pc:sldMk cId="1056539643" sldId="261"/>
+            <ac:cxnSpMk id="14" creationId="{7B0D7ADC-4270-9C0F-0426-706B73C14EC1}"/>
+          </ac:cxnSpMkLst>
+        </pc:cxnChg>
+        <pc:cxnChg chg="mod">
+          <ac:chgData name="Nguyễn Minh Hiển" userId="a6eeb9e3-e85b-4ad3-ae75-5c3c393ea8c0" providerId="ADAL" clId="{EC44CE5F-2CDA-4914-9A84-D191FDFFE525}" dt="2025-03-14T14:48:32.941" v="178" actId="12788"/>
+          <ac:cxnSpMkLst>
+            <pc:docMk/>
+            <pc:sldMk cId="1056539643" sldId="261"/>
+            <ac:cxnSpMk id="26" creationId="{476FBDAB-3D91-A785-5635-8CCE1353D392}"/>
+          </ac:cxnSpMkLst>
+        </pc:cxnChg>
+        <pc:cxnChg chg="mod">
+          <ac:chgData name="Nguyễn Minh Hiển" userId="a6eeb9e3-e85b-4ad3-ae75-5c3c393ea8c0" providerId="ADAL" clId="{EC44CE5F-2CDA-4914-9A84-D191FDFFE525}" dt="2025-03-14T14:47:12.422" v="149" actId="14100"/>
+          <ac:cxnSpMkLst>
+            <pc:docMk/>
+            <pc:sldMk cId="1056539643" sldId="261"/>
+            <ac:cxnSpMk id="27" creationId="{3D9C45BB-90EA-1719-1074-3ED5F060E4DC}"/>
+          </ac:cxnSpMkLst>
+        </pc:cxnChg>
+        <pc:cxnChg chg="mod">
+          <ac:chgData name="Nguyễn Minh Hiển" userId="a6eeb9e3-e85b-4ad3-ae75-5c3c393ea8c0" providerId="ADAL" clId="{EC44CE5F-2CDA-4914-9A84-D191FDFFE525}" dt="2025-03-14T14:46:47.734" v="143" actId="14100"/>
+          <ac:cxnSpMkLst>
+            <pc:docMk/>
+            <pc:sldMk cId="1056539643" sldId="261"/>
+            <ac:cxnSpMk id="35" creationId="{43B21000-0C0D-9481-9AED-DAEF05447CF7}"/>
+          </ac:cxnSpMkLst>
+        </pc:cxnChg>
+        <pc:cxnChg chg="mod">
+          <ac:chgData name="Nguyễn Minh Hiển" userId="a6eeb9e3-e85b-4ad3-ae75-5c3c393ea8c0" providerId="ADAL" clId="{EC44CE5F-2CDA-4914-9A84-D191FDFFE525}" dt="2025-03-14T14:48:32.941" v="178" actId="12788"/>
+          <ac:cxnSpMkLst>
+            <pc:docMk/>
+            <pc:sldMk cId="1056539643" sldId="261"/>
+            <ac:cxnSpMk id="36" creationId="{A8238184-8892-4A42-FB6F-6C4632661FBE}"/>
+          </ac:cxnSpMkLst>
+        </pc:cxnChg>
+        <pc:cxnChg chg="mod">
+          <ac:chgData name="Nguyễn Minh Hiển" userId="a6eeb9e3-e85b-4ad3-ae75-5c3c393ea8c0" providerId="ADAL" clId="{EC44CE5F-2CDA-4914-9A84-D191FDFFE525}" dt="2025-03-14T14:48:32.941" v="178" actId="12788"/>
+          <ac:cxnSpMkLst>
+            <pc:docMk/>
+            <pc:sldMk cId="1056539643" sldId="261"/>
+            <ac:cxnSpMk id="41" creationId="{51FB8CC9-3E14-7193-40F1-D0FDFA44C85D}"/>
+          </ac:cxnSpMkLst>
+        </pc:cxnChg>
+        <pc:cxnChg chg="del mod">
+          <ac:chgData name="Nguyễn Minh Hiển" userId="a6eeb9e3-e85b-4ad3-ae75-5c3c393ea8c0" providerId="ADAL" clId="{EC44CE5F-2CDA-4914-9A84-D191FDFFE525}" dt="2025-03-14T14:46:20.550" v="135" actId="478"/>
+          <ac:cxnSpMkLst>
+            <pc:docMk/>
+            <pc:sldMk cId="1056539643" sldId="261"/>
+            <ac:cxnSpMk id="42" creationId="{F56C3DE1-C9C4-7634-4F1E-FFB54FFFA37F}"/>
+          </ac:cxnSpMkLst>
+        </pc:cxnChg>
+        <pc:cxnChg chg="del mod">
+          <ac:chgData name="Nguyễn Minh Hiển" userId="a6eeb9e3-e85b-4ad3-ae75-5c3c393ea8c0" providerId="ADAL" clId="{EC44CE5F-2CDA-4914-9A84-D191FDFFE525}" dt="2025-03-14T14:46:20.550" v="135" actId="478"/>
+          <ac:cxnSpMkLst>
+            <pc:docMk/>
+            <pc:sldMk cId="1056539643" sldId="261"/>
+            <ac:cxnSpMk id="76" creationId="{8EBBACCB-E920-C198-9D18-009918F38E75}"/>
+          </ac:cxnSpMkLst>
+        </pc:cxnChg>
+        <pc:cxnChg chg="mod">
+          <ac:chgData name="Nguyễn Minh Hiển" userId="a6eeb9e3-e85b-4ad3-ae75-5c3c393ea8c0" providerId="ADAL" clId="{EC44CE5F-2CDA-4914-9A84-D191FDFFE525}" dt="2025-03-14T14:47:31.055" v="155" actId="14100"/>
+          <ac:cxnSpMkLst>
+            <pc:docMk/>
+            <pc:sldMk cId="1056539643" sldId="261"/>
+            <ac:cxnSpMk id="89" creationId="{B795BB83-EB43-B2F1-F6F9-2BF3AFFE6431}"/>
+          </ac:cxnSpMkLst>
+        </pc:cxnChg>
+        <pc:cxnChg chg="mod">
+          <ac:chgData name="Nguyễn Minh Hiển" userId="a6eeb9e3-e85b-4ad3-ae75-5c3c393ea8c0" providerId="ADAL" clId="{EC44CE5F-2CDA-4914-9A84-D191FDFFE525}" dt="2025-03-14T14:47:27.991" v="154" actId="14100"/>
+          <ac:cxnSpMkLst>
+            <pc:docMk/>
+            <pc:sldMk cId="1056539643" sldId="261"/>
+            <ac:cxnSpMk id="91" creationId="{750FF6EF-2C97-1CFB-17F7-3E9595FB61CA}"/>
+          </ac:cxnSpMkLst>
+        </pc:cxnChg>
+        <pc:cxnChg chg="mod">
+          <ac:chgData name="Nguyễn Minh Hiển" userId="a6eeb9e3-e85b-4ad3-ae75-5c3c393ea8c0" providerId="ADAL" clId="{EC44CE5F-2CDA-4914-9A84-D191FDFFE525}" dt="2025-03-14T14:48:59.184" v="182" actId="14100"/>
+          <ac:cxnSpMkLst>
+            <pc:docMk/>
+            <pc:sldMk cId="1056539643" sldId="261"/>
+            <ac:cxnSpMk id="96" creationId="{5CBD9DC4-BB00-8969-6176-7653DD86E42C}"/>
+          </ac:cxnSpMkLst>
+        </pc:cxnChg>
+        <pc:cxnChg chg="del mod">
+          <ac:chgData name="Nguyễn Minh Hiển" userId="a6eeb9e3-e85b-4ad3-ae75-5c3c393ea8c0" providerId="ADAL" clId="{EC44CE5F-2CDA-4914-9A84-D191FDFFE525}" dt="2025-03-14T14:47:24.361" v="153" actId="478"/>
+          <ac:cxnSpMkLst>
+            <pc:docMk/>
+            <pc:sldMk cId="1056539643" sldId="261"/>
+            <ac:cxnSpMk id="100" creationId="{272D9195-5AEB-E4E5-C6CC-F7F9B09DD67F}"/>
+          </ac:cxnSpMkLst>
+        </pc:cxnChg>
+        <pc:cxnChg chg="mod">
+          <ac:chgData name="Nguyễn Minh Hiển" userId="a6eeb9e3-e85b-4ad3-ae75-5c3c393ea8c0" providerId="ADAL" clId="{EC44CE5F-2CDA-4914-9A84-D191FDFFE525}" dt="2025-03-14T14:45:12.412" v="116" actId="14100"/>
+          <ac:cxnSpMkLst>
+            <pc:docMk/>
+            <pc:sldMk cId="1056539643" sldId="261"/>
+            <ac:cxnSpMk id="103" creationId="{18F8977E-7EFA-68F3-A8FE-5511BCEE6351}"/>
+          </ac:cxnSpMkLst>
+        </pc:cxnChg>
+      </pc:sldChg>
+      <pc:sldChg chg="add del">
+        <pc:chgData name="Nguyễn Minh Hiển" userId="a6eeb9e3-e85b-4ad3-ae75-5c3c393ea8c0" providerId="ADAL" clId="{EC44CE5F-2CDA-4914-9A84-D191FDFFE525}" dt="2025-03-14T14:42:13.790" v="43"/>
+        <pc:sldMkLst>
+          <pc:docMk/>
+          <pc:sldMk cId="2314557606" sldId="261"/>
+        </pc:sldMkLst>
+      </pc:sldChg>
+    </pc:docChg>
+  </pc:docChgLst>
+</pc:chgInfo>
 </file>
 
 <file path=ppt/slideLayouts/slideLayout1.xml><?xml version="1.0" encoding="utf-8"?>
@@ -259,7 +703,7 @@
           <a:p>
             <a:fld id="{A1A87CDC-521F-4CFA-9B08-9EB1ED4E0680}" type="datetimeFigureOut">
               <a:rPr lang="vi-VN" smtClean="0"/>
-              <a:t>13/03/2025</a:t>
+              <a:t>14/03/2025</a:t>
             </a:fld>
             <a:endParaRPr lang="vi-VN"/>
           </a:p>
@@ -459,7 +903,7 @@
           <a:p>
             <a:fld id="{A1A87CDC-521F-4CFA-9B08-9EB1ED4E0680}" type="datetimeFigureOut">
               <a:rPr lang="vi-VN" smtClean="0"/>
-              <a:t>13/03/2025</a:t>
+              <a:t>14/03/2025</a:t>
             </a:fld>
             <a:endParaRPr lang="vi-VN"/>
           </a:p>
@@ -669,7 +1113,7 @@
           <a:p>
             <a:fld id="{A1A87CDC-521F-4CFA-9B08-9EB1ED4E0680}" type="datetimeFigureOut">
               <a:rPr lang="vi-VN" smtClean="0"/>
-              <a:t>13/03/2025</a:t>
+              <a:t>14/03/2025</a:t>
             </a:fld>
             <a:endParaRPr lang="vi-VN"/>
           </a:p>
@@ -869,7 +1313,7 @@
           <a:p>
             <a:fld id="{A1A87CDC-521F-4CFA-9B08-9EB1ED4E0680}" type="datetimeFigureOut">
               <a:rPr lang="vi-VN" smtClean="0"/>
-              <a:t>13/03/2025</a:t>
+              <a:t>14/03/2025</a:t>
             </a:fld>
             <a:endParaRPr lang="vi-VN"/>
           </a:p>
@@ -1145,7 +1589,7 @@
           <a:p>
             <a:fld id="{A1A87CDC-521F-4CFA-9B08-9EB1ED4E0680}" type="datetimeFigureOut">
               <a:rPr lang="vi-VN" smtClean="0"/>
-              <a:t>13/03/2025</a:t>
+              <a:t>14/03/2025</a:t>
             </a:fld>
             <a:endParaRPr lang="vi-VN"/>
           </a:p>
@@ -1413,7 +1857,7 @@
           <a:p>
             <a:fld id="{A1A87CDC-521F-4CFA-9B08-9EB1ED4E0680}" type="datetimeFigureOut">
               <a:rPr lang="vi-VN" smtClean="0"/>
-              <a:t>13/03/2025</a:t>
+              <a:t>14/03/2025</a:t>
             </a:fld>
             <a:endParaRPr lang="vi-VN"/>
           </a:p>
@@ -1828,7 +2272,7 @@
           <a:p>
             <a:fld id="{A1A87CDC-521F-4CFA-9B08-9EB1ED4E0680}" type="datetimeFigureOut">
               <a:rPr lang="vi-VN" smtClean="0"/>
-              <a:t>13/03/2025</a:t>
+              <a:t>14/03/2025</a:t>
             </a:fld>
             <a:endParaRPr lang="vi-VN"/>
           </a:p>
@@ -1970,7 +2414,7 @@
           <a:p>
             <a:fld id="{A1A87CDC-521F-4CFA-9B08-9EB1ED4E0680}" type="datetimeFigureOut">
               <a:rPr lang="vi-VN" smtClean="0"/>
-              <a:t>13/03/2025</a:t>
+              <a:t>14/03/2025</a:t>
             </a:fld>
             <a:endParaRPr lang="vi-VN"/>
           </a:p>
@@ -2083,7 +2527,7 @@
           <a:p>
             <a:fld id="{A1A87CDC-521F-4CFA-9B08-9EB1ED4E0680}" type="datetimeFigureOut">
               <a:rPr lang="vi-VN" smtClean="0"/>
-              <a:t>13/03/2025</a:t>
+              <a:t>14/03/2025</a:t>
             </a:fld>
             <a:endParaRPr lang="vi-VN"/>
           </a:p>
@@ -2396,7 +2840,7 @@
           <a:p>
             <a:fld id="{A1A87CDC-521F-4CFA-9B08-9EB1ED4E0680}" type="datetimeFigureOut">
               <a:rPr lang="vi-VN" smtClean="0"/>
-              <a:t>13/03/2025</a:t>
+              <a:t>14/03/2025</a:t>
             </a:fld>
             <a:endParaRPr lang="vi-VN"/>
           </a:p>
@@ -2685,7 +3129,7 @@
           <a:p>
             <a:fld id="{A1A87CDC-521F-4CFA-9B08-9EB1ED4E0680}" type="datetimeFigureOut">
               <a:rPr lang="vi-VN" smtClean="0"/>
-              <a:t>13/03/2025</a:t>
+              <a:t>14/03/2025</a:t>
             </a:fld>
             <a:endParaRPr lang="vi-VN"/>
           </a:p>
@@ -2928,7 +3372,7 @@
           <a:p>
             <a:fld id="{A1A87CDC-521F-4CFA-9B08-9EB1ED4E0680}" type="datetimeFigureOut">
               <a:rPr lang="vi-VN" smtClean="0"/>
-              <a:t>13/03/2025</a:t>
+              <a:t>14/03/2025</a:t>
             </a:fld>
             <a:endParaRPr lang="vi-VN"/>
           </a:p>
@@ -3347,10 +3791,10 @@
       </p:grpSpPr>
       <p:sp>
         <p:nvSpPr>
-          <p:cNvPr id="4" name="Rectangle: Rounded Corners 3">
-            <a:extLst>
-              <a:ext uri="{FF2B5EF4-FFF2-40B4-BE49-F238E27FC236}">
-                <a16:creationId xmlns:a16="http://schemas.microsoft.com/office/drawing/2014/main" id="{5E26260E-20CD-8333-F0EF-2075FD6CA008}"/>
+          <p:cNvPr id="6" name="Rectangle: Rounded Corners 5">
+            <a:extLst>
+              <a:ext uri="{FF2B5EF4-FFF2-40B4-BE49-F238E27FC236}">
+                <a16:creationId xmlns:a16="http://schemas.microsoft.com/office/drawing/2014/main" id="{F4860B69-F69A-46B8-89B7-76C7592159E0}"/>
               </a:ext>
             </a:extLst>
           </p:cNvPr>
@@ -3359,14 +3803,14 @@
         </p:nvSpPr>
         <p:spPr>
           <a:xfrm>
-            <a:off x="4356211" y="2"/>
+            <a:off x="1437017" y="-4876798"/>
             <a:ext cx="2884129" cy="537497"/>
           </a:xfrm>
           <a:prstGeom prst="roundRect">
             <a:avLst/>
           </a:prstGeom>
           <a:noFill/>
-          <a:ln w="76200">
+          <a:ln w="12700">
             <a:solidFill>
               <a:schemeClr val="tx1"/>
             </a:solidFill>
@@ -3394,1728 +3838,12 @@
           <a:p>
             <a:pPr algn="ctr"/>
             <a:r>
-              <a:rPr lang="en-US" sz="2800" b="1" dirty="0">
-                <a:solidFill>
-                  <a:schemeClr val="tx1"/>
-                </a:solidFill>
-              </a:rPr>
-              <a:t>Start</a:t>
-            </a:r>
-            <a:endParaRPr lang="vi-VN" sz="2800" b="1" dirty="0">
-              <a:solidFill>
-                <a:schemeClr val="tx1"/>
-              </a:solidFill>
-            </a:endParaRPr>
-          </a:p>
-        </p:txBody>
-      </p:sp>
-      <p:sp>
-        <p:nvSpPr>
-          <p:cNvPr id="5" name="Rectangle 4">
-            <a:extLst>
-              <a:ext uri="{FF2B5EF4-FFF2-40B4-BE49-F238E27FC236}">
-                <a16:creationId xmlns:a16="http://schemas.microsoft.com/office/drawing/2014/main" id="{303EEBB6-14DF-29D7-84B6-64F1AEA12594}"/>
-              </a:ext>
-            </a:extLst>
-          </p:cNvPr>
-          <p:cNvSpPr/>
-          <p:nvPr/>
-        </p:nvSpPr>
-        <p:spPr>
-          <a:xfrm>
-            <a:off x="1866354" y="2412182"/>
-            <a:ext cx="7863840" cy="914400"/>
-          </a:xfrm>
-          <a:prstGeom prst="rect">
-            <a:avLst/>
-          </a:prstGeom>
-          <a:noFill/>
-          <a:ln w="76200">
-            <a:solidFill>
-              <a:schemeClr val="tx1"/>
-            </a:solidFill>
-          </a:ln>
-        </p:spPr>
-        <p:style>
-          <a:lnRef idx="2">
-            <a:schemeClr val="accent1">
-              <a:shade val="15000"/>
-            </a:schemeClr>
-          </a:lnRef>
-          <a:fillRef idx="1">
-            <a:schemeClr val="accent1"/>
-          </a:fillRef>
-          <a:effectRef idx="0">
-            <a:schemeClr val="accent1"/>
-          </a:effectRef>
-          <a:fontRef idx="minor">
-            <a:schemeClr val="lt1"/>
-          </a:fontRef>
-        </p:style>
-        <p:txBody>
-          <a:bodyPr rtlCol="0" anchor="ctr"/>
-          <a:lstStyle/>
-          <a:p>
-            <a:pPr algn="ctr"/>
-            <a:r>
-              <a:rPr lang="en-US" sz="2800" b="1" dirty="0">
-                <a:solidFill>
-                  <a:schemeClr val="tx1"/>
-                </a:solidFill>
-                <a:latin typeface="Roboto" panose="02000000000000000000" pitchFamily="2" charset="0"/>
-              </a:rPr>
-              <a:t>Initialize binary encoding for agent X and other hyperparameters</a:t>
-            </a:r>
-            <a:endParaRPr lang="vi-VN" sz="2800" b="1" dirty="0">
-              <a:solidFill>
-                <a:schemeClr val="tx1"/>
-              </a:solidFill>
-            </a:endParaRPr>
-          </a:p>
-        </p:txBody>
-      </p:sp>
-      <p:sp>
-        <p:nvSpPr>
-          <p:cNvPr id="6" name="Diamond 5">
-            <a:extLst>
-              <a:ext uri="{FF2B5EF4-FFF2-40B4-BE49-F238E27FC236}">
-                <a16:creationId xmlns:a16="http://schemas.microsoft.com/office/drawing/2014/main" id="{CD004A65-3588-53FF-C4F6-6A740875D755}"/>
-              </a:ext>
-            </a:extLst>
-          </p:cNvPr>
-          <p:cNvSpPr/>
-          <p:nvPr/>
-        </p:nvSpPr>
-        <p:spPr>
-          <a:xfrm>
-            <a:off x="1866354" y="3801808"/>
-            <a:ext cx="7863840" cy="914400"/>
-          </a:xfrm>
-          <a:prstGeom prst="diamond">
-            <a:avLst/>
-          </a:prstGeom>
-          <a:noFill/>
-          <a:ln w="76200">
-            <a:solidFill>
-              <a:schemeClr val="tx1"/>
-            </a:solidFill>
-          </a:ln>
-        </p:spPr>
-        <p:style>
-          <a:lnRef idx="2">
-            <a:schemeClr val="accent1">
-              <a:shade val="15000"/>
-            </a:schemeClr>
-          </a:lnRef>
-          <a:fillRef idx="1">
-            <a:schemeClr val="accent1"/>
-          </a:fillRef>
-          <a:effectRef idx="0">
-            <a:schemeClr val="accent1"/>
-          </a:effectRef>
-          <a:fontRef idx="minor">
-            <a:schemeClr val="lt1"/>
-          </a:fontRef>
-        </p:style>
-        <p:txBody>
-          <a:bodyPr rtlCol="0" anchor="ctr"/>
-          <a:lstStyle/>
-          <a:p>
-            <a:pPr algn="ctr"/>
-            <a:r>
-              <a:rPr lang="en-US" sz="2800" b="1" dirty="0">
-                <a:solidFill>
-                  <a:schemeClr val="tx1"/>
-                </a:solidFill>
-              </a:rPr>
-              <a:t>FEs has reached </a:t>
-            </a:r>
-            <a:r>
-              <a:rPr lang="en-US" sz="2800" b="1" dirty="0" err="1">
-                <a:solidFill>
-                  <a:schemeClr val="tx1"/>
-                </a:solidFill>
-              </a:rPr>
-              <a:t>Max_FEs</a:t>
-            </a:r>
-            <a:endParaRPr lang="vi-VN" sz="2800" b="1" dirty="0">
-              <a:solidFill>
-                <a:schemeClr val="tx1"/>
-              </a:solidFill>
-            </a:endParaRPr>
-          </a:p>
-        </p:txBody>
-      </p:sp>
-      <p:sp>
-        <p:nvSpPr>
-          <p:cNvPr id="7" name="Parallelogram 6">
-            <a:extLst>
-              <a:ext uri="{FF2B5EF4-FFF2-40B4-BE49-F238E27FC236}">
-                <a16:creationId xmlns:a16="http://schemas.microsoft.com/office/drawing/2014/main" id="{90E5F003-D90F-2775-19A2-559B14A04AE6}"/>
-              </a:ext>
-            </a:extLst>
-          </p:cNvPr>
-          <p:cNvSpPr/>
-          <p:nvPr/>
-        </p:nvSpPr>
-        <p:spPr>
-          <a:xfrm>
-            <a:off x="1866354" y="1022556"/>
-            <a:ext cx="7863840" cy="914400"/>
-          </a:xfrm>
-          <a:prstGeom prst="parallelogram">
-            <a:avLst/>
-          </a:prstGeom>
-          <a:solidFill>
-            <a:schemeClr val="accent5">
-              <a:lumMod val="20000"/>
-              <a:lumOff val="80000"/>
-            </a:schemeClr>
-          </a:solidFill>
-          <a:ln w="76200">
-            <a:solidFill>
-              <a:schemeClr val="tx1"/>
-            </a:solidFill>
-          </a:ln>
-        </p:spPr>
-        <p:style>
-          <a:lnRef idx="2">
-            <a:schemeClr val="accent1">
-              <a:shade val="15000"/>
-            </a:schemeClr>
-          </a:lnRef>
-          <a:fillRef idx="1">
-            <a:schemeClr val="accent1"/>
-          </a:fillRef>
-          <a:effectRef idx="0">
-            <a:schemeClr val="accent1"/>
-          </a:effectRef>
-          <a:fontRef idx="minor">
-            <a:schemeClr val="lt1"/>
-          </a:fontRef>
-        </p:style>
-        <p:txBody>
-          <a:bodyPr rtlCol="0" anchor="ctr"/>
-          <a:lstStyle/>
-          <a:p>
-            <a:pPr algn="ctr"/>
-            <a:r>
-              <a:rPr lang="en-US" sz="2800" b="1" dirty="0">
-                <a:solidFill>
-                  <a:schemeClr val="tx1"/>
-                </a:solidFill>
-                <a:latin typeface="Roboto" panose="02000000000000000000" pitchFamily="2" charset="0"/>
-              </a:rPr>
-              <a:t>Input: training dataset with original feature set</a:t>
-            </a:r>
-            <a:endParaRPr lang="vi-VN" sz="2800" b="1" dirty="0">
-              <a:solidFill>
-                <a:schemeClr val="tx1"/>
-              </a:solidFill>
-            </a:endParaRPr>
-          </a:p>
-        </p:txBody>
-      </p:sp>
-      <p:sp>
-        <p:nvSpPr>
-          <p:cNvPr id="8" name="Rectangle 7">
-            <a:extLst>
-              <a:ext uri="{FF2B5EF4-FFF2-40B4-BE49-F238E27FC236}">
-                <a16:creationId xmlns:a16="http://schemas.microsoft.com/office/drawing/2014/main" id="{7BBC78DD-5051-07A7-19FD-7F1D7E7CB031}"/>
-              </a:ext>
-            </a:extLst>
-          </p:cNvPr>
-          <p:cNvSpPr/>
-          <p:nvPr/>
-        </p:nvSpPr>
-        <p:spPr>
-          <a:xfrm>
-            <a:off x="1866354" y="13493477"/>
-            <a:ext cx="7863840" cy="914400"/>
-          </a:xfrm>
-          <a:prstGeom prst="rect">
-            <a:avLst/>
-          </a:prstGeom>
-          <a:noFill/>
-          <a:ln w="76200">
-            <a:solidFill>
-              <a:schemeClr val="tx1"/>
-            </a:solidFill>
-          </a:ln>
-        </p:spPr>
-        <p:style>
-          <a:lnRef idx="2">
-            <a:schemeClr val="accent1">
-              <a:shade val="15000"/>
-            </a:schemeClr>
-          </a:lnRef>
-          <a:fillRef idx="1">
-            <a:schemeClr val="accent1"/>
-          </a:fillRef>
-          <a:effectRef idx="0">
-            <a:schemeClr val="accent1"/>
-          </a:effectRef>
-          <a:fontRef idx="minor">
-            <a:schemeClr val="lt1"/>
-          </a:fontRef>
-        </p:style>
-        <p:txBody>
-          <a:bodyPr rtlCol="0" anchor="ctr"/>
-          <a:lstStyle/>
-          <a:p>
-            <a:pPr algn="ctr"/>
-            <a:r>
-              <a:rPr lang="en-US" sz="2800" b="1" dirty="0">
-                <a:solidFill>
-                  <a:schemeClr val="tx1"/>
-                </a:solidFill>
-                <a:latin typeface="Roboto" panose="02000000000000000000" pitchFamily="2" charset="0"/>
-              </a:rPr>
-              <a:t>Return the best search agent X as the solution</a:t>
-            </a:r>
-            <a:endParaRPr lang="vi-VN" sz="2800" b="1" dirty="0">
-              <a:solidFill>
-                <a:schemeClr val="tx1"/>
-              </a:solidFill>
-            </a:endParaRPr>
-          </a:p>
-        </p:txBody>
-      </p:sp>
-      <p:sp>
-        <p:nvSpPr>
-          <p:cNvPr id="9" name="Rectangle 8">
-            <a:extLst>
-              <a:ext uri="{FF2B5EF4-FFF2-40B4-BE49-F238E27FC236}">
-                <a16:creationId xmlns:a16="http://schemas.microsoft.com/office/drawing/2014/main" id="{04FF7BC0-2CB8-245F-144F-5A351FF79867}"/>
-              </a:ext>
-            </a:extLst>
-          </p:cNvPr>
-          <p:cNvSpPr/>
-          <p:nvPr/>
-        </p:nvSpPr>
-        <p:spPr>
-          <a:xfrm>
-            <a:off x="1866354" y="5391154"/>
-            <a:ext cx="7863840" cy="914400"/>
-          </a:xfrm>
-          <a:prstGeom prst="rect">
-            <a:avLst/>
-          </a:prstGeom>
-          <a:noFill/>
-          <a:ln w="76200">
-            <a:solidFill>
-              <a:schemeClr val="tx1"/>
-            </a:solidFill>
-          </a:ln>
-        </p:spPr>
-        <p:style>
-          <a:lnRef idx="2">
-            <a:schemeClr val="accent1">
-              <a:shade val="15000"/>
-            </a:schemeClr>
-          </a:lnRef>
-          <a:fillRef idx="1">
-            <a:schemeClr val="accent1"/>
-          </a:fillRef>
-          <a:effectRef idx="0">
-            <a:schemeClr val="accent1"/>
-          </a:effectRef>
-          <a:fontRef idx="minor">
-            <a:schemeClr val="lt1"/>
-          </a:fontRef>
-        </p:style>
-        <p:txBody>
-          <a:bodyPr rtlCol="0" anchor="ctr"/>
-          <a:lstStyle/>
-          <a:p>
-            <a:pPr algn="ctr"/>
-            <a:r>
-              <a:rPr lang="en-US" sz="2800" b="1" dirty="0">
-                <a:solidFill>
-                  <a:schemeClr val="tx1"/>
-                </a:solidFill>
-                <a:latin typeface="Roboto" panose="02000000000000000000" pitchFamily="2" charset="0"/>
-              </a:rPr>
-              <a:t>Apply non-selection operator to remove features and search for optimal X</a:t>
-            </a:r>
-            <a:endParaRPr lang="vi-VN" sz="2800" b="1" dirty="0">
-              <a:solidFill>
-                <a:schemeClr val="tx1"/>
-              </a:solidFill>
-            </a:endParaRPr>
-          </a:p>
-        </p:txBody>
-      </p:sp>
-      <p:sp>
-        <p:nvSpPr>
-          <p:cNvPr id="10" name="Rectangle: Rounded Corners 9">
-            <a:extLst>
-              <a:ext uri="{FF2B5EF4-FFF2-40B4-BE49-F238E27FC236}">
-                <a16:creationId xmlns:a16="http://schemas.microsoft.com/office/drawing/2014/main" id="{C6A66894-2E42-53D6-37A3-215E1E4B6457}"/>
-              </a:ext>
-            </a:extLst>
-          </p:cNvPr>
-          <p:cNvSpPr/>
-          <p:nvPr/>
-        </p:nvSpPr>
-        <p:spPr>
-          <a:xfrm>
-            <a:off x="4356210" y="16607514"/>
-            <a:ext cx="2884129" cy="537497"/>
-          </a:xfrm>
-          <a:prstGeom prst="roundRect">
-            <a:avLst/>
-          </a:prstGeom>
-          <a:noFill/>
-          <a:ln w="76200">
-            <a:solidFill>
-              <a:schemeClr val="tx1"/>
-            </a:solidFill>
-          </a:ln>
-        </p:spPr>
-        <p:style>
-          <a:lnRef idx="2">
-            <a:schemeClr val="accent1">
-              <a:shade val="15000"/>
-            </a:schemeClr>
-          </a:lnRef>
-          <a:fillRef idx="1">
-            <a:schemeClr val="accent1"/>
-          </a:fillRef>
-          <a:effectRef idx="0">
-            <a:schemeClr val="accent1"/>
-          </a:effectRef>
-          <a:fontRef idx="minor">
-            <a:schemeClr val="lt1"/>
-          </a:fontRef>
-        </p:style>
-        <p:txBody>
-          <a:bodyPr rtlCol="0" anchor="ctr"/>
-          <a:lstStyle/>
-          <a:p>
-            <a:pPr algn="ctr"/>
-            <a:r>
-              <a:rPr lang="en-US" sz="2800" b="1" dirty="0">
-                <a:solidFill>
-                  <a:schemeClr val="tx1"/>
-                </a:solidFill>
-              </a:rPr>
-              <a:t>End</a:t>
-            </a:r>
-            <a:endParaRPr lang="vi-VN" sz="2800" b="1" dirty="0">
-              <a:solidFill>
-                <a:schemeClr val="tx1"/>
-              </a:solidFill>
-            </a:endParaRPr>
-          </a:p>
-        </p:txBody>
-      </p:sp>
-      <p:sp>
-        <p:nvSpPr>
-          <p:cNvPr id="11" name="Parallelogram 10">
-            <a:extLst>
-              <a:ext uri="{FF2B5EF4-FFF2-40B4-BE49-F238E27FC236}">
-                <a16:creationId xmlns:a16="http://schemas.microsoft.com/office/drawing/2014/main" id="{40B969C0-E7B2-B80B-2194-A40B809A8018}"/>
-              </a:ext>
-            </a:extLst>
-          </p:cNvPr>
-          <p:cNvSpPr/>
-          <p:nvPr/>
-        </p:nvSpPr>
-        <p:spPr>
-          <a:xfrm>
-            <a:off x="1866354" y="14875727"/>
-            <a:ext cx="7863840" cy="914400"/>
-          </a:xfrm>
-          <a:prstGeom prst="parallelogram">
-            <a:avLst/>
-          </a:prstGeom>
-          <a:noFill/>
-          <a:ln w="76200">
-            <a:solidFill>
-              <a:schemeClr val="tx1"/>
-            </a:solidFill>
-          </a:ln>
-        </p:spPr>
-        <p:style>
-          <a:lnRef idx="2">
-            <a:schemeClr val="accent1">
-              <a:shade val="15000"/>
-            </a:schemeClr>
-          </a:lnRef>
-          <a:fillRef idx="1">
-            <a:schemeClr val="accent1"/>
-          </a:fillRef>
-          <a:effectRef idx="0">
-            <a:schemeClr val="accent1"/>
-          </a:effectRef>
-          <a:fontRef idx="minor">
-            <a:schemeClr val="lt1"/>
-          </a:fontRef>
-        </p:style>
-        <p:txBody>
-          <a:bodyPr rtlCol="0" anchor="ctr"/>
-          <a:lstStyle/>
-          <a:p>
-            <a:pPr algn="ctr"/>
-            <a:r>
-              <a:rPr lang="en-US" sz="2800" b="1" dirty="0">
-                <a:solidFill>
-                  <a:schemeClr val="tx1"/>
-                </a:solidFill>
-                <a:latin typeface="Roboto" panose="02000000000000000000" pitchFamily="2" charset="0"/>
-              </a:rPr>
-              <a:t>Output: training dataset with feature subspace</a:t>
-            </a:r>
-            <a:endParaRPr lang="vi-VN" sz="2800" b="1" dirty="0">
-              <a:solidFill>
-                <a:schemeClr val="tx1"/>
-              </a:solidFill>
-            </a:endParaRPr>
-          </a:p>
-        </p:txBody>
-      </p:sp>
-      <p:sp>
-        <p:nvSpPr>
-          <p:cNvPr id="12" name="Diamond 11">
-            <a:extLst>
-              <a:ext uri="{FF2B5EF4-FFF2-40B4-BE49-F238E27FC236}">
-                <a16:creationId xmlns:a16="http://schemas.microsoft.com/office/drawing/2014/main" id="{BDB6FC98-0A51-6852-C22D-AFE1DD086662}"/>
-              </a:ext>
-            </a:extLst>
-          </p:cNvPr>
-          <p:cNvSpPr/>
-          <p:nvPr/>
-        </p:nvSpPr>
-        <p:spPr>
-          <a:xfrm>
-            <a:off x="1356084" y="6930855"/>
-            <a:ext cx="8884377" cy="1727290"/>
-          </a:xfrm>
-          <a:prstGeom prst="diamond">
-            <a:avLst/>
-          </a:prstGeom>
-          <a:noFill/>
-          <a:ln w="76200">
-            <a:solidFill>
-              <a:schemeClr val="tx1"/>
-            </a:solidFill>
-          </a:ln>
-        </p:spPr>
-        <p:style>
-          <a:lnRef idx="2">
-            <a:schemeClr val="accent1">
-              <a:shade val="15000"/>
-            </a:schemeClr>
-          </a:lnRef>
-          <a:fillRef idx="1">
-            <a:schemeClr val="accent1"/>
-          </a:fillRef>
-          <a:effectRef idx="0">
-            <a:schemeClr val="accent1"/>
-          </a:effectRef>
-          <a:fontRef idx="minor">
-            <a:schemeClr val="lt1"/>
-          </a:fontRef>
-        </p:style>
-        <p:txBody>
-          <a:bodyPr rtlCol="0" anchor="ctr"/>
-          <a:lstStyle/>
-          <a:p>
-            <a:pPr algn="ctr"/>
-            <a:r>
-              <a:rPr lang="en-US" sz="2800" b="1" dirty="0">
-                <a:solidFill>
-                  <a:schemeClr val="tx1"/>
-                </a:solidFill>
-                <a:latin typeface="Roboto" panose="02000000000000000000" pitchFamily="2" charset="0"/>
-              </a:rPr>
-              <a:t>Number of selected features in current search agent X too low</a:t>
-            </a:r>
-            <a:endParaRPr lang="vi-VN" sz="2800" b="1" dirty="0">
-              <a:solidFill>
-                <a:schemeClr val="tx1"/>
-              </a:solidFill>
-            </a:endParaRPr>
-          </a:p>
-        </p:txBody>
-      </p:sp>
-      <p:sp>
-        <p:nvSpPr>
-          <p:cNvPr id="13" name="Rectangle 12">
-            <a:extLst>
-              <a:ext uri="{FF2B5EF4-FFF2-40B4-BE49-F238E27FC236}">
-                <a16:creationId xmlns:a16="http://schemas.microsoft.com/office/drawing/2014/main" id="{B74F6428-BF18-B2B3-82E0-DFA33C85D58E}"/>
-              </a:ext>
-            </a:extLst>
-          </p:cNvPr>
-          <p:cNvSpPr/>
-          <p:nvPr/>
-        </p:nvSpPr>
-        <p:spPr>
-          <a:xfrm>
-            <a:off x="1740897" y="10652365"/>
-            <a:ext cx="8140154" cy="914400"/>
-          </a:xfrm>
-          <a:prstGeom prst="rect">
-            <a:avLst/>
-          </a:prstGeom>
-          <a:solidFill>
-            <a:schemeClr val="accent5">
-              <a:lumMod val="20000"/>
-              <a:lumOff val="80000"/>
-            </a:schemeClr>
-          </a:solidFill>
-          <a:ln w="76200">
-            <a:solidFill>
-              <a:schemeClr val="tx1"/>
-            </a:solidFill>
-          </a:ln>
-        </p:spPr>
-        <p:style>
-          <a:lnRef idx="2">
-            <a:schemeClr val="accent1">
-              <a:shade val="15000"/>
-            </a:schemeClr>
-          </a:lnRef>
-          <a:fillRef idx="1">
-            <a:schemeClr val="accent1"/>
-          </a:fillRef>
-          <a:effectRef idx="0">
-            <a:schemeClr val="accent1"/>
-          </a:effectRef>
-          <a:fontRef idx="minor">
-            <a:schemeClr val="lt1"/>
-          </a:fontRef>
-        </p:style>
-        <p:txBody>
-          <a:bodyPr rtlCol="0" anchor="ctr"/>
-          <a:lstStyle/>
-          <a:p>
-            <a:pPr algn="ctr"/>
-            <a:r>
-              <a:rPr lang="en-US" sz="2800" b="1" dirty="0">
-                <a:solidFill>
-                  <a:schemeClr val="tx1"/>
-                </a:solidFill>
-                <a:latin typeface="Roboto" panose="02000000000000000000" pitchFamily="2" charset="0"/>
-              </a:rPr>
-              <a:t>Evaluate current search agent X based on fitness function and maximize the overall fitness</a:t>
-            </a:r>
-            <a:endParaRPr lang="vi-VN" sz="2800" b="1" dirty="0">
-              <a:solidFill>
-                <a:schemeClr val="tx1"/>
-              </a:solidFill>
-            </a:endParaRPr>
-          </a:p>
-        </p:txBody>
-      </p:sp>
-      <p:sp>
-        <p:nvSpPr>
-          <p:cNvPr id="14" name="Rectangle 13">
-            <a:extLst>
-              <a:ext uri="{FF2B5EF4-FFF2-40B4-BE49-F238E27FC236}">
-                <a16:creationId xmlns:a16="http://schemas.microsoft.com/office/drawing/2014/main" id="{C35A6886-C1E0-C0EB-2E40-4166E553B84A}"/>
-              </a:ext>
-            </a:extLst>
-          </p:cNvPr>
-          <p:cNvSpPr/>
-          <p:nvPr/>
-        </p:nvSpPr>
-        <p:spPr>
-          <a:xfrm>
-            <a:off x="1879054" y="12345152"/>
-            <a:ext cx="7863840" cy="914400"/>
-          </a:xfrm>
-          <a:prstGeom prst="rect">
-            <a:avLst/>
-          </a:prstGeom>
-          <a:noFill/>
-          <a:ln w="76200">
-            <a:solidFill>
-              <a:schemeClr val="tx1"/>
-            </a:solidFill>
-          </a:ln>
-        </p:spPr>
-        <p:style>
-          <a:lnRef idx="2">
-            <a:schemeClr val="accent1">
-              <a:shade val="15000"/>
-            </a:schemeClr>
-          </a:lnRef>
-          <a:fillRef idx="1">
-            <a:schemeClr val="accent1"/>
-          </a:fillRef>
-          <a:effectRef idx="0">
-            <a:schemeClr val="accent1"/>
-          </a:effectRef>
-          <a:fontRef idx="minor">
-            <a:schemeClr val="lt1"/>
-          </a:fontRef>
-        </p:style>
-        <p:txBody>
-          <a:bodyPr rtlCol="0" anchor="ctr"/>
-          <a:lstStyle/>
-          <a:p>
-            <a:pPr algn="ctr"/>
-            <a:r>
-              <a:rPr lang="en-US" sz="2800" b="1" dirty="0">
-                <a:solidFill>
-                  <a:schemeClr val="tx1"/>
-                </a:solidFill>
-                <a:latin typeface="Roboto" panose="02000000000000000000" pitchFamily="2" charset="0"/>
-              </a:rPr>
-              <a:t>Update UR with predefined formulas</a:t>
-            </a:r>
-            <a:br>
-              <a:rPr lang="en-US" sz="2800" b="1" dirty="0">
-                <a:solidFill>
-                  <a:schemeClr val="tx1"/>
-                </a:solidFill>
-                <a:latin typeface="Roboto" panose="02000000000000000000" pitchFamily="2" charset="0"/>
-              </a:rPr>
-            </a:br>
-            <a:r>
-              <a:rPr lang="en-US" sz="2800" b="1" dirty="0">
-                <a:solidFill>
-                  <a:schemeClr val="tx1"/>
-                </a:solidFill>
-                <a:latin typeface="Roboto" panose="02000000000000000000" pitchFamily="2" charset="0"/>
-              </a:rPr>
-              <a:t>Increase Fes by 1</a:t>
-            </a:r>
-            <a:endParaRPr lang="vi-VN" sz="2800" b="1" dirty="0">
-              <a:solidFill>
-                <a:schemeClr val="tx1"/>
-              </a:solidFill>
-            </a:endParaRPr>
-          </a:p>
-        </p:txBody>
-      </p:sp>
-      <p:sp>
-        <p:nvSpPr>
-          <p:cNvPr id="15" name="Rectangle 14">
-            <a:extLst>
-              <a:ext uri="{FF2B5EF4-FFF2-40B4-BE49-F238E27FC236}">
-                <a16:creationId xmlns:a16="http://schemas.microsoft.com/office/drawing/2014/main" id="{E7D1C93A-C083-12A7-56E0-84E33A1D2071}"/>
-              </a:ext>
-            </a:extLst>
-          </p:cNvPr>
-          <p:cNvSpPr/>
-          <p:nvPr/>
-        </p:nvSpPr>
-        <p:spPr>
-          <a:xfrm>
-            <a:off x="1866354" y="9143871"/>
-            <a:ext cx="7863840" cy="914400"/>
-          </a:xfrm>
-          <a:prstGeom prst="rect">
-            <a:avLst/>
-          </a:prstGeom>
-          <a:solidFill>
-            <a:schemeClr val="accent5">
-              <a:lumMod val="20000"/>
-              <a:lumOff val="80000"/>
-            </a:schemeClr>
-          </a:solidFill>
-          <a:ln w="76200">
-            <a:solidFill>
-              <a:schemeClr val="tx1"/>
-            </a:solidFill>
-          </a:ln>
-        </p:spPr>
-        <p:style>
-          <a:lnRef idx="2">
-            <a:schemeClr val="accent1">
-              <a:shade val="15000"/>
-            </a:schemeClr>
-          </a:lnRef>
-          <a:fillRef idx="1">
-            <a:schemeClr val="accent1"/>
-          </a:fillRef>
-          <a:effectRef idx="0">
-            <a:schemeClr val="accent1"/>
-          </a:effectRef>
-          <a:fontRef idx="minor">
-            <a:schemeClr val="lt1"/>
-          </a:fontRef>
-        </p:style>
-        <p:txBody>
-          <a:bodyPr rtlCol="0" anchor="ctr"/>
-          <a:lstStyle/>
-          <a:p>
-            <a:pPr algn="ctr"/>
-            <a:r>
-              <a:rPr lang="en-US" sz="2800" b="1" dirty="0">
-                <a:solidFill>
-                  <a:schemeClr val="tx1"/>
-                </a:solidFill>
-                <a:latin typeface="Roboto" panose="02000000000000000000" pitchFamily="2" charset="0"/>
-              </a:rPr>
-              <a:t>Apply selection operator to add features to current search agent X</a:t>
-            </a:r>
-            <a:endParaRPr lang="vi-VN" sz="2800" b="1" dirty="0">
-              <a:solidFill>
-                <a:schemeClr val="tx1"/>
-              </a:solidFill>
-            </a:endParaRPr>
-          </a:p>
-        </p:txBody>
-      </p:sp>
-      <p:cxnSp>
-        <p:nvCxnSpPr>
-          <p:cNvPr id="16" name="Straight Arrow Connector 15">
-            <a:extLst>
-              <a:ext uri="{FF2B5EF4-FFF2-40B4-BE49-F238E27FC236}">
-                <a16:creationId xmlns:a16="http://schemas.microsoft.com/office/drawing/2014/main" id="{FEC14D4C-DA09-B8BD-D98A-486F2C94C6E0}"/>
-              </a:ext>
-            </a:extLst>
-          </p:cNvPr>
-          <p:cNvCxnSpPr>
-            <a:cxnSpLocks/>
-          </p:cNvCxnSpPr>
-          <p:nvPr/>
-        </p:nvCxnSpPr>
-        <p:spPr>
-          <a:xfrm flipH="1">
-            <a:off x="5798274" y="537498"/>
-            <a:ext cx="1" cy="485058"/>
-          </a:xfrm>
-          <a:prstGeom prst="straightConnector1">
-            <a:avLst/>
-          </a:prstGeom>
-          <a:ln w="76200">
-            <a:solidFill>
-              <a:schemeClr val="tx1"/>
-            </a:solidFill>
-            <a:tailEnd type="triangle"/>
-          </a:ln>
-        </p:spPr>
-        <p:style>
-          <a:lnRef idx="1">
-            <a:schemeClr val="accent1"/>
-          </a:lnRef>
-          <a:fillRef idx="0">
-            <a:schemeClr val="accent1"/>
-          </a:fillRef>
-          <a:effectRef idx="0">
-            <a:schemeClr val="accent1"/>
-          </a:effectRef>
-          <a:fontRef idx="minor">
-            <a:schemeClr val="tx1"/>
-          </a:fontRef>
-        </p:style>
-      </p:cxnSp>
-      <p:cxnSp>
-        <p:nvCxnSpPr>
-          <p:cNvPr id="17" name="Straight Arrow Connector 16">
-            <a:extLst>
-              <a:ext uri="{FF2B5EF4-FFF2-40B4-BE49-F238E27FC236}">
-                <a16:creationId xmlns:a16="http://schemas.microsoft.com/office/drawing/2014/main" id="{C086FD22-8850-A060-4180-D2F7AAD9AD67}"/>
-              </a:ext>
-            </a:extLst>
-          </p:cNvPr>
-          <p:cNvCxnSpPr>
-            <a:cxnSpLocks/>
-          </p:cNvCxnSpPr>
-          <p:nvPr/>
-        </p:nvCxnSpPr>
-        <p:spPr>
-          <a:xfrm>
-            <a:off x="5798274" y="1936956"/>
-            <a:ext cx="0" cy="475226"/>
-          </a:xfrm>
-          <a:prstGeom prst="straightConnector1">
-            <a:avLst/>
-          </a:prstGeom>
-          <a:ln w="76200">
-            <a:solidFill>
-              <a:schemeClr val="tx1"/>
-            </a:solidFill>
-            <a:tailEnd type="triangle"/>
-          </a:ln>
-        </p:spPr>
-        <p:style>
-          <a:lnRef idx="1">
-            <a:schemeClr val="accent1"/>
-          </a:lnRef>
-          <a:fillRef idx="0">
-            <a:schemeClr val="accent1"/>
-          </a:fillRef>
-          <a:effectRef idx="0">
-            <a:schemeClr val="accent1"/>
-          </a:effectRef>
-          <a:fontRef idx="minor">
-            <a:schemeClr val="tx1"/>
-          </a:fontRef>
-        </p:style>
-      </p:cxnSp>
-      <p:cxnSp>
-        <p:nvCxnSpPr>
-          <p:cNvPr id="18" name="Straight Arrow Connector 17">
-            <a:extLst>
-              <a:ext uri="{FF2B5EF4-FFF2-40B4-BE49-F238E27FC236}">
-                <a16:creationId xmlns:a16="http://schemas.microsoft.com/office/drawing/2014/main" id="{8C51B0B9-435B-AF1D-6281-6D828A7F1090}"/>
-              </a:ext>
-            </a:extLst>
-          </p:cNvPr>
-          <p:cNvCxnSpPr>
-            <a:cxnSpLocks/>
-          </p:cNvCxnSpPr>
-          <p:nvPr/>
-        </p:nvCxnSpPr>
-        <p:spPr>
-          <a:xfrm>
-            <a:off x="5798274" y="3326582"/>
-            <a:ext cx="0" cy="475226"/>
-          </a:xfrm>
-          <a:prstGeom prst="straightConnector1">
-            <a:avLst/>
-          </a:prstGeom>
-          <a:ln w="76200">
-            <a:solidFill>
-              <a:schemeClr val="tx1"/>
-            </a:solidFill>
-            <a:tailEnd type="triangle"/>
-          </a:ln>
-        </p:spPr>
-        <p:style>
-          <a:lnRef idx="1">
-            <a:schemeClr val="accent1"/>
-          </a:lnRef>
-          <a:fillRef idx="0">
-            <a:schemeClr val="accent1"/>
-          </a:fillRef>
-          <a:effectRef idx="0">
-            <a:schemeClr val="accent1"/>
-          </a:effectRef>
-          <a:fontRef idx="minor">
-            <a:schemeClr val="tx1"/>
-          </a:fontRef>
-        </p:style>
-      </p:cxnSp>
-      <p:cxnSp>
-        <p:nvCxnSpPr>
-          <p:cNvPr id="19" name="Straight Arrow Connector 18">
-            <a:extLst>
-              <a:ext uri="{FF2B5EF4-FFF2-40B4-BE49-F238E27FC236}">
-                <a16:creationId xmlns:a16="http://schemas.microsoft.com/office/drawing/2014/main" id="{9CB113B6-5413-FDCE-6F17-5A321F2F4AD8}"/>
-              </a:ext>
-            </a:extLst>
-          </p:cNvPr>
-          <p:cNvCxnSpPr>
-            <a:cxnSpLocks/>
-          </p:cNvCxnSpPr>
-          <p:nvPr/>
-        </p:nvCxnSpPr>
-        <p:spPr>
-          <a:xfrm>
-            <a:off x="5798274" y="4716208"/>
-            <a:ext cx="0" cy="674946"/>
-          </a:xfrm>
-          <a:prstGeom prst="straightConnector1">
-            <a:avLst/>
-          </a:prstGeom>
-          <a:ln w="76200">
-            <a:solidFill>
-              <a:schemeClr val="tx1"/>
-            </a:solidFill>
-            <a:tailEnd type="triangle"/>
-          </a:ln>
-        </p:spPr>
-        <p:style>
-          <a:lnRef idx="1">
-            <a:schemeClr val="accent1"/>
-          </a:lnRef>
-          <a:fillRef idx="0">
-            <a:schemeClr val="accent1"/>
-          </a:fillRef>
-          <a:effectRef idx="0">
-            <a:schemeClr val="accent1"/>
-          </a:effectRef>
-          <a:fontRef idx="minor">
-            <a:schemeClr val="tx1"/>
-          </a:fontRef>
-        </p:style>
-      </p:cxnSp>
-      <p:cxnSp>
-        <p:nvCxnSpPr>
-          <p:cNvPr id="20" name="Connector: Elbow 19">
-            <a:extLst>
-              <a:ext uri="{FF2B5EF4-FFF2-40B4-BE49-F238E27FC236}">
-                <a16:creationId xmlns:a16="http://schemas.microsoft.com/office/drawing/2014/main" id="{7528ED02-1295-2090-BAE1-93BCEC74F08A}"/>
-              </a:ext>
-            </a:extLst>
-          </p:cNvPr>
-          <p:cNvCxnSpPr>
-            <a:cxnSpLocks/>
-            <a:stCxn id="6" idx="1"/>
-            <a:endCxn id="8" idx="1"/>
-          </p:cNvCxnSpPr>
-          <p:nvPr/>
-        </p:nvCxnSpPr>
-        <p:spPr>
-          <a:xfrm rot="10800000" flipV="1">
-            <a:off x="1866355" y="4259008"/>
-            <a:ext cx="12700" cy="9691669"/>
-          </a:xfrm>
-          <a:prstGeom prst="bentConnector3">
-            <a:avLst>
-              <a:gd name="adj1" fmla="val 11468575"/>
-            </a:avLst>
-          </a:prstGeom>
-          <a:ln w="76200">
-            <a:solidFill>
-              <a:schemeClr val="tx1"/>
-            </a:solidFill>
-            <a:tailEnd type="triangle"/>
-          </a:ln>
-        </p:spPr>
-        <p:style>
-          <a:lnRef idx="1">
-            <a:schemeClr val="accent1"/>
-          </a:lnRef>
-          <a:fillRef idx="0">
-            <a:schemeClr val="accent1"/>
-          </a:fillRef>
-          <a:effectRef idx="0">
-            <a:schemeClr val="accent1"/>
-          </a:effectRef>
-          <a:fontRef idx="minor">
-            <a:schemeClr val="tx1"/>
-          </a:fontRef>
-        </p:style>
-      </p:cxnSp>
-      <p:cxnSp>
-        <p:nvCxnSpPr>
-          <p:cNvPr id="21" name="Straight Arrow Connector 20">
-            <a:extLst>
-              <a:ext uri="{FF2B5EF4-FFF2-40B4-BE49-F238E27FC236}">
-                <a16:creationId xmlns:a16="http://schemas.microsoft.com/office/drawing/2014/main" id="{55EAB2F4-3464-C244-BA15-BD48044D3F34}"/>
-              </a:ext>
-            </a:extLst>
-          </p:cNvPr>
-          <p:cNvCxnSpPr>
-            <a:cxnSpLocks/>
-            <a:stCxn id="9" idx="2"/>
-            <a:endCxn id="12" idx="0"/>
-          </p:cNvCxnSpPr>
-          <p:nvPr/>
-        </p:nvCxnSpPr>
-        <p:spPr>
-          <a:xfrm flipH="1">
-            <a:off x="5798274" y="6305555"/>
-            <a:ext cx="1" cy="625301"/>
-          </a:xfrm>
-          <a:prstGeom prst="straightConnector1">
-            <a:avLst/>
-          </a:prstGeom>
-          <a:ln w="76200">
-            <a:solidFill>
-              <a:schemeClr val="tx1"/>
-            </a:solidFill>
-            <a:tailEnd type="triangle"/>
-          </a:ln>
-        </p:spPr>
-        <p:style>
-          <a:lnRef idx="1">
-            <a:schemeClr val="accent1"/>
-          </a:lnRef>
-          <a:fillRef idx="0">
-            <a:schemeClr val="accent1"/>
-          </a:fillRef>
-          <a:effectRef idx="0">
-            <a:schemeClr val="accent1"/>
-          </a:effectRef>
-          <a:fontRef idx="minor">
-            <a:schemeClr val="tx1"/>
-          </a:fontRef>
-        </p:style>
-      </p:cxnSp>
-      <p:cxnSp>
-        <p:nvCxnSpPr>
-          <p:cNvPr id="22" name="Straight Arrow Connector 21">
-            <a:extLst>
-              <a:ext uri="{FF2B5EF4-FFF2-40B4-BE49-F238E27FC236}">
-                <a16:creationId xmlns:a16="http://schemas.microsoft.com/office/drawing/2014/main" id="{F9946D70-1B7D-7A58-E5CD-EFEDD4ECA63A}"/>
-              </a:ext>
-            </a:extLst>
-          </p:cNvPr>
-          <p:cNvCxnSpPr>
-            <a:cxnSpLocks/>
-            <a:stCxn id="12" idx="2"/>
-            <a:endCxn id="15" idx="0"/>
-          </p:cNvCxnSpPr>
-          <p:nvPr/>
-        </p:nvCxnSpPr>
-        <p:spPr>
-          <a:xfrm>
-            <a:off x="5798274" y="8658145"/>
-            <a:ext cx="1" cy="485726"/>
-          </a:xfrm>
-          <a:prstGeom prst="straightConnector1">
-            <a:avLst/>
-          </a:prstGeom>
-          <a:ln w="76200">
-            <a:solidFill>
-              <a:schemeClr val="tx1"/>
-            </a:solidFill>
-            <a:tailEnd type="triangle"/>
-          </a:ln>
-        </p:spPr>
-        <p:style>
-          <a:lnRef idx="1">
-            <a:schemeClr val="accent1"/>
-          </a:lnRef>
-          <a:fillRef idx="0">
-            <a:schemeClr val="accent1"/>
-          </a:fillRef>
-          <a:effectRef idx="0">
-            <a:schemeClr val="accent1"/>
-          </a:effectRef>
-          <a:fontRef idx="minor">
-            <a:schemeClr val="tx1"/>
-          </a:fontRef>
-        </p:style>
-      </p:cxnSp>
-      <p:cxnSp>
-        <p:nvCxnSpPr>
-          <p:cNvPr id="23" name="Straight Arrow Connector 22">
-            <a:extLst>
-              <a:ext uri="{FF2B5EF4-FFF2-40B4-BE49-F238E27FC236}">
-                <a16:creationId xmlns:a16="http://schemas.microsoft.com/office/drawing/2014/main" id="{1FADFB86-0FAB-44C7-C484-3408D30E5B4A}"/>
-              </a:ext>
-            </a:extLst>
-          </p:cNvPr>
-          <p:cNvCxnSpPr>
-            <a:cxnSpLocks/>
-            <a:stCxn id="15" idx="2"/>
-            <a:endCxn id="13" idx="0"/>
-          </p:cNvCxnSpPr>
-          <p:nvPr/>
-        </p:nvCxnSpPr>
-        <p:spPr>
-          <a:xfrm>
-            <a:off x="5798274" y="10058271"/>
-            <a:ext cx="12700" cy="594094"/>
-          </a:xfrm>
-          <a:prstGeom prst="straightConnector1">
-            <a:avLst/>
-          </a:prstGeom>
-          <a:ln w="76200">
-            <a:solidFill>
-              <a:schemeClr val="tx1"/>
-            </a:solidFill>
-            <a:tailEnd type="triangle"/>
-          </a:ln>
-        </p:spPr>
-        <p:style>
-          <a:lnRef idx="1">
-            <a:schemeClr val="accent1"/>
-          </a:lnRef>
-          <a:fillRef idx="0">
-            <a:schemeClr val="accent1"/>
-          </a:fillRef>
-          <a:effectRef idx="0">
-            <a:schemeClr val="accent1"/>
-          </a:effectRef>
-          <a:fontRef idx="minor">
-            <a:schemeClr val="tx1"/>
-          </a:fontRef>
-        </p:style>
-      </p:cxnSp>
-      <p:cxnSp>
-        <p:nvCxnSpPr>
-          <p:cNvPr id="24" name="Straight Arrow Connector 23">
-            <a:extLst>
-              <a:ext uri="{FF2B5EF4-FFF2-40B4-BE49-F238E27FC236}">
-                <a16:creationId xmlns:a16="http://schemas.microsoft.com/office/drawing/2014/main" id="{5B1BE6EF-5AA6-0B2D-729F-824EDCCDB678}"/>
-              </a:ext>
-            </a:extLst>
-          </p:cNvPr>
-          <p:cNvCxnSpPr>
-            <a:cxnSpLocks/>
-            <a:stCxn id="13" idx="2"/>
-            <a:endCxn id="14" idx="0"/>
-          </p:cNvCxnSpPr>
-          <p:nvPr/>
-        </p:nvCxnSpPr>
-        <p:spPr>
-          <a:xfrm>
-            <a:off x="5810974" y="11566765"/>
-            <a:ext cx="0" cy="778387"/>
-          </a:xfrm>
-          <a:prstGeom prst="straightConnector1">
-            <a:avLst/>
-          </a:prstGeom>
-          <a:ln w="76200">
-            <a:solidFill>
-              <a:schemeClr val="tx1"/>
-            </a:solidFill>
-            <a:tailEnd type="triangle"/>
-          </a:ln>
-        </p:spPr>
-        <p:style>
-          <a:lnRef idx="1">
-            <a:schemeClr val="accent1"/>
-          </a:lnRef>
-          <a:fillRef idx="0">
-            <a:schemeClr val="accent1"/>
-          </a:fillRef>
-          <a:effectRef idx="0">
-            <a:schemeClr val="accent1"/>
-          </a:effectRef>
-          <a:fontRef idx="minor">
-            <a:schemeClr val="tx1"/>
-          </a:fontRef>
-        </p:style>
-      </p:cxnSp>
-      <p:cxnSp>
-        <p:nvCxnSpPr>
-          <p:cNvPr id="25" name="Straight Arrow Connector 24">
-            <a:extLst>
-              <a:ext uri="{FF2B5EF4-FFF2-40B4-BE49-F238E27FC236}">
-                <a16:creationId xmlns:a16="http://schemas.microsoft.com/office/drawing/2014/main" id="{CC8B5B62-0266-F5AD-52F4-A75795FF1EEE}"/>
-              </a:ext>
-            </a:extLst>
-          </p:cNvPr>
-          <p:cNvCxnSpPr>
-            <a:cxnSpLocks/>
-            <a:stCxn id="8" idx="2"/>
-            <a:endCxn id="11" idx="0"/>
-          </p:cNvCxnSpPr>
-          <p:nvPr/>
-        </p:nvCxnSpPr>
-        <p:spPr>
-          <a:xfrm>
-            <a:off x="5798274" y="14407877"/>
-            <a:ext cx="0" cy="467850"/>
-          </a:xfrm>
-          <a:prstGeom prst="straightConnector1">
-            <a:avLst/>
-          </a:prstGeom>
-          <a:ln w="76200">
-            <a:solidFill>
-              <a:schemeClr val="tx1"/>
-            </a:solidFill>
-            <a:tailEnd type="triangle"/>
-          </a:ln>
-        </p:spPr>
-        <p:style>
-          <a:lnRef idx="1">
-            <a:schemeClr val="accent1"/>
-          </a:lnRef>
-          <a:fillRef idx="0">
-            <a:schemeClr val="accent1"/>
-          </a:fillRef>
-          <a:effectRef idx="0">
-            <a:schemeClr val="accent1"/>
-          </a:effectRef>
-          <a:fontRef idx="minor">
-            <a:schemeClr val="tx1"/>
-          </a:fontRef>
-        </p:style>
-      </p:cxnSp>
-      <p:cxnSp>
-        <p:nvCxnSpPr>
-          <p:cNvPr id="26" name="Straight Arrow Connector 25">
-            <a:extLst>
-              <a:ext uri="{FF2B5EF4-FFF2-40B4-BE49-F238E27FC236}">
-                <a16:creationId xmlns:a16="http://schemas.microsoft.com/office/drawing/2014/main" id="{B0458DFE-9A76-B197-7306-7B511838CE32}"/>
-              </a:ext>
-            </a:extLst>
-          </p:cNvPr>
-          <p:cNvCxnSpPr>
-            <a:cxnSpLocks/>
-            <a:stCxn id="11" idx="4"/>
-            <a:endCxn id="10" idx="0"/>
-          </p:cNvCxnSpPr>
-          <p:nvPr/>
-        </p:nvCxnSpPr>
-        <p:spPr>
-          <a:xfrm>
-            <a:off x="5798274" y="15790127"/>
-            <a:ext cx="1" cy="817387"/>
-          </a:xfrm>
-          <a:prstGeom prst="straightConnector1">
-            <a:avLst/>
-          </a:prstGeom>
-          <a:ln w="76200">
-            <a:solidFill>
-              <a:schemeClr val="tx1"/>
-            </a:solidFill>
-            <a:tailEnd type="triangle"/>
-          </a:ln>
-        </p:spPr>
-        <p:style>
-          <a:lnRef idx="1">
-            <a:schemeClr val="accent1"/>
-          </a:lnRef>
-          <a:fillRef idx="0">
-            <a:schemeClr val="accent1"/>
-          </a:fillRef>
-          <a:effectRef idx="0">
-            <a:schemeClr val="accent1"/>
-          </a:effectRef>
-          <a:fontRef idx="minor">
-            <a:schemeClr val="tx1"/>
-          </a:fontRef>
-        </p:style>
-      </p:cxnSp>
-      <p:sp>
-        <p:nvSpPr>
-          <p:cNvPr id="27" name="TextBox 26">
-            <a:extLst>
-              <a:ext uri="{FF2B5EF4-FFF2-40B4-BE49-F238E27FC236}">
-                <a16:creationId xmlns:a16="http://schemas.microsoft.com/office/drawing/2014/main" id="{98D8C571-96F2-8DCF-5A8A-13E6D7C70843}"/>
-              </a:ext>
-            </a:extLst>
-          </p:cNvPr>
-          <p:cNvSpPr txBox="1"/>
-          <p:nvPr/>
-        </p:nvSpPr>
-        <p:spPr>
-          <a:xfrm>
-            <a:off x="6008003" y="4802758"/>
-            <a:ext cx="993689" cy="584775"/>
-          </a:xfrm>
-          <a:prstGeom prst="rect">
-            <a:avLst/>
-          </a:prstGeom>
-          <a:noFill/>
-          <a:ln w="76200">
-            <a:noFill/>
-          </a:ln>
-        </p:spPr>
-        <p:txBody>
-          <a:bodyPr wrap="square" rtlCol="0">
-            <a:spAutoFit/>
-          </a:bodyPr>
-          <a:lstStyle/>
-          <a:p>
-            <a:r>
-              <a:rPr lang="en-US" sz="3200" b="1" dirty="0"/>
-              <a:t>No</a:t>
-            </a:r>
-            <a:endParaRPr lang="vi-VN" sz="3200" b="1" dirty="0"/>
-          </a:p>
-        </p:txBody>
-      </p:sp>
-      <p:sp>
-        <p:nvSpPr>
-          <p:cNvPr id="28" name="TextBox 27">
-            <a:extLst>
-              <a:ext uri="{FF2B5EF4-FFF2-40B4-BE49-F238E27FC236}">
-                <a16:creationId xmlns:a16="http://schemas.microsoft.com/office/drawing/2014/main" id="{FD85F7A9-3E62-85BE-3FD7-8FDEE169DC29}"/>
-              </a:ext>
-            </a:extLst>
-          </p:cNvPr>
-          <p:cNvSpPr txBox="1"/>
-          <p:nvPr/>
-        </p:nvSpPr>
-        <p:spPr>
-          <a:xfrm>
-            <a:off x="567160" y="3801808"/>
-            <a:ext cx="1160965" cy="523220"/>
-          </a:xfrm>
-          <a:prstGeom prst="rect">
-            <a:avLst/>
-          </a:prstGeom>
-          <a:noFill/>
-          <a:ln w="76200">
-            <a:noFill/>
-          </a:ln>
-        </p:spPr>
-        <p:txBody>
-          <a:bodyPr wrap="square" rtlCol="0">
-            <a:spAutoFit/>
-          </a:bodyPr>
-          <a:lstStyle/>
-          <a:p>
-            <a:r>
-              <a:rPr lang="en-US" sz="2800" b="1" dirty="0"/>
-              <a:t>Yes</a:t>
-            </a:r>
-            <a:endParaRPr lang="vi-VN" sz="2800" b="1" dirty="0"/>
-          </a:p>
-        </p:txBody>
-      </p:sp>
-      <p:cxnSp>
-        <p:nvCxnSpPr>
-          <p:cNvPr id="29" name="Connector: Elbow 28">
-            <a:extLst>
-              <a:ext uri="{FF2B5EF4-FFF2-40B4-BE49-F238E27FC236}">
-                <a16:creationId xmlns:a16="http://schemas.microsoft.com/office/drawing/2014/main" id="{87A20670-A033-1B3C-8C1C-3AA614980223}"/>
-              </a:ext>
-            </a:extLst>
-          </p:cNvPr>
-          <p:cNvCxnSpPr>
-            <a:cxnSpLocks/>
-            <a:stCxn id="12" idx="1"/>
-            <a:endCxn id="13" idx="1"/>
-          </p:cNvCxnSpPr>
-          <p:nvPr/>
-        </p:nvCxnSpPr>
-        <p:spPr>
-          <a:xfrm rot="10800000" flipH="1" flipV="1">
-            <a:off x="1356083" y="7794499"/>
-            <a:ext cx="384813" cy="3315065"/>
-          </a:xfrm>
-          <a:prstGeom prst="bentConnector3">
-            <a:avLst>
-              <a:gd name="adj1" fmla="val -59405"/>
-            </a:avLst>
-          </a:prstGeom>
-          <a:ln w="76200">
-            <a:solidFill>
-              <a:schemeClr val="tx1"/>
-            </a:solidFill>
-            <a:tailEnd type="triangle"/>
-          </a:ln>
-        </p:spPr>
-        <p:style>
-          <a:lnRef idx="1">
-            <a:schemeClr val="accent1"/>
-          </a:lnRef>
-          <a:fillRef idx="0">
-            <a:schemeClr val="accent1"/>
-          </a:fillRef>
-          <a:effectRef idx="0">
-            <a:schemeClr val="accent1"/>
-          </a:effectRef>
-          <a:fontRef idx="minor">
-            <a:schemeClr val="tx1"/>
-          </a:fontRef>
-        </p:style>
-      </p:cxnSp>
-      <p:sp>
-        <p:nvSpPr>
-          <p:cNvPr id="30" name="TextBox 29">
-            <a:extLst>
-              <a:ext uri="{FF2B5EF4-FFF2-40B4-BE49-F238E27FC236}">
-                <a16:creationId xmlns:a16="http://schemas.microsoft.com/office/drawing/2014/main" id="{86523835-6B30-6ABB-C3E4-64177F11386E}"/>
-              </a:ext>
-            </a:extLst>
-          </p:cNvPr>
-          <p:cNvSpPr txBox="1"/>
-          <p:nvPr/>
-        </p:nvSpPr>
-        <p:spPr>
-          <a:xfrm>
-            <a:off x="6012134" y="8658145"/>
-            <a:ext cx="1551200" cy="584775"/>
-          </a:xfrm>
-          <a:prstGeom prst="rect">
-            <a:avLst/>
-          </a:prstGeom>
-          <a:noFill/>
-          <a:ln w="76200">
-            <a:noFill/>
-          </a:ln>
-        </p:spPr>
-        <p:txBody>
-          <a:bodyPr wrap="square" rtlCol="0">
-            <a:spAutoFit/>
-          </a:bodyPr>
-          <a:lstStyle/>
-          <a:p>
-            <a:r>
-              <a:rPr lang="en-US" sz="3200" b="1" dirty="0"/>
-              <a:t>Yes</a:t>
-            </a:r>
-            <a:endParaRPr lang="vi-VN" sz="3200" b="1" dirty="0"/>
-          </a:p>
-        </p:txBody>
-      </p:sp>
-      <p:sp>
-        <p:nvSpPr>
-          <p:cNvPr id="31" name="TextBox 30">
-            <a:extLst>
-              <a:ext uri="{FF2B5EF4-FFF2-40B4-BE49-F238E27FC236}">
-                <a16:creationId xmlns:a16="http://schemas.microsoft.com/office/drawing/2014/main" id="{3CB380DF-2342-2268-9B70-F46FE29847AA}"/>
-              </a:ext>
-            </a:extLst>
-          </p:cNvPr>
-          <p:cNvSpPr txBox="1"/>
-          <p:nvPr/>
-        </p:nvSpPr>
-        <p:spPr>
-          <a:xfrm>
-            <a:off x="858515" y="7340032"/>
-            <a:ext cx="869609" cy="523220"/>
-          </a:xfrm>
-          <a:prstGeom prst="rect">
-            <a:avLst/>
-          </a:prstGeom>
-          <a:noFill/>
-          <a:ln w="76200">
-            <a:noFill/>
-          </a:ln>
-        </p:spPr>
-        <p:txBody>
-          <a:bodyPr wrap="square" rtlCol="0">
-            <a:spAutoFit/>
-          </a:bodyPr>
-          <a:lstStyle/>
-          <a:p>
-            <a:r>
-              <a:rPr lang="en-US" sz="2800" b="1" dirty="0"/>
-              <a:t>No</a:t>
-            </a:r>
-            <a:endParaRPr lang="vi-VN" sz="2800" b="1" dirty="0"/>
-          </a:p>
-        </p:txBody>
-      </p:sp>
-      <p:cxnSp>
-        <p:nvCxnSpPr>
-          <p:cNvPr id="32" name="Connector: Elbow 31">
-            <a:extLst>
-              <a:ext uri="{FF2B5EF4-FFF2-40B4-BE49-F238E27FC236}">
-                <a16:creationId xmlns:a16="http://schemas.microsoft.com/office/drawing/2014/main" id="{F88FE16E-6E16-FAB2-6357-9D95F44A117D}"/>
-              </a:ext>
-            </a:extLst>
-          </p:cNvPr>
-          <p:cNvCxnSpPr>
-            <a:cxnSpLocks/>
-            <a:stCxn id="14" idx="3"/>
-            <a:endCxn id="6" idx="3"/>
-          </p:cNvCxnSpPr>
-          <p:nvPr/>
-        </p:nvCxnSpPr>
-        <p:spPr>
-          <a:xfrm flipH="1" flipV="1">
-            <a:off x="9730195" y="4259008"/>
-            <a:ext cx="12700" cy="8543344"/>
-          </a:xfrm>
-          <a:prstGeom prst="bentConnector3">
-            <a:avLst>
-              <a:gd name="adj1" fmla="val -15840000"/>
-            </a:avLst>
-          </a:prstGeom>
-          <a:ln w="76200">
-            <a:solidFill>
-              <a:schemeClr val="tx1"/>
-            </a:solidFill>
-            <a:tailEnd type="triangle"/>
-          </a:ln>
-        </p:spPr>
-        <p:style>
-          <a:lnRef idx="1">
-            <a:schemeClr val="accent1"/>
-          </a:lnRef>
-          <a:fillRef idx="0">
-            <a:schemeClr val="accent1"/>
-          </a:fillRef>
-          <a:effectRef idx="0">
-            <a:schemeClr val="accent1"/>
-          </a:effectRef>
-          <a:fontRef idx="minor">
-            <a:schemeClr val="tx1"/>
-          </a:fontRef>
-        </p:style>
-      </p:cxnSp>
-      <p:sp>
-        <p:nvSpPr>
-          <p:cNvPr id="33" name="TextBox 32">
-            <a:extLst>
-              <a:ext uri="{FF2B5EF4-FFF2-40B4-BE49-F238E27FC236}">
-                <a16:creationId xmlns:a16="http://schemas.microsoft.com/office/drawing/2014/main" id="{C41D2682-9AE4-0AE4-DBBC-424F9CDBB751}"/>
-              </a:ext>
-            </a:extLst>
-          </p:cNvPr>
-          <p:cNvSpPr txBox="1"/>
-          <p:nvPr/>
-        </p:nvSpPr>
-        <p:spPr>
-          <a:xfrm>
-            <a:off x="-97719" y="1156590"/>
-            <a:ext cx="465192" cy="646331"/>
-          </a:xfrm>
-          <a:prstGeom prst="rect">
-            <a:avLst/>
-          </a:prstGeom>
-          <a:noFill/>
-          <a:ln w="76200">
-            <a:noFill/>
-          </a:ln>
-        </p:spPr>
-        <p:txBody>
-          <a:bodyPr wrap="none" rtlCol="0">
-            <a:spAutoFit/>
-          </a:bodyPr>
-          <a:lstStyle/>
-          <a:p>
-            <a:r>
-              <a:rPr lang="en-US" sz="3600" b="1" dirty="0"/>
-              <a:t>A</a:t>
-            </a:r>
-            <a:endParaRPr lang="vi-VN" sz="3600" b="1" dirty="0"/>
-          </a:p>
-        </p:txBody>
-      </p:sp>
-      <p:sp>
-        <p:nvSpPr>
-          <p:cNvPr id="34" name="TextBox 33">
-            <a:extLst>
-              <a:ext uri="{FF2B5EF4-FFF2-40B4-BE49-F238E27FC236}">
-                <a16:creationId xmlns:a16="http://schemas.microsoft.com/office/drawing/2014/main" id="{527A8646-AA88-0C3E-F914-FA2AFC890BA7}"/>
-              </a:ext>
-            </a:extLst>
-          </p:cNvPr>
-          <p:cNvSpPr txBox="1"/>
-          <p:nvPr/>
-        </p:nvSpPr>
-        <p:spPr>
-          <a:xfrm>
-            <a:off x="-75277" y="9277905"/>
-            <a:ext cx="442750" cy="646331"/>
-          </a:xfrm>
-          <a:prstGeom prst="rect">
-            <a:avLst/>
-          </a:prstGeom>
-          <a:noFill/>
-          <a:ln w="76200">
-            <a:noFill/>
-          </a:ln>
-        </p:spPr>
-        <p:txBody>
-          <a:bodyPr wrap="none" rtlCol="0">
-            <a:spAutoFit/>
-          </a:bodyPr>
-          <a:lstStyle/>
-          <a:p>
-            <a:r>
-              <a:rPr lang="en-US" sz="3600" b="1" dirty="0"/>
-              <a:t>B</a:t>
-            </a:r>
-            <a:endParaRPr lang="vi-VN" sz="3600" b="1" dirty="0"/>
-          </a:p>
-        </p:txBody>
-      </p:sp>
-      <p:sp>
-        <p:nvSpPr>
-          <p:cNvPr id="35" name="TextBox 34">
-            <a:extLst>
-              <a:ext uri="{FF2B5EF4-FFF2-40B4-BE49-F238E27FC236}">
-                <a16:creationId xmlns:a16="http://schemas.microsoft.com/office/drawing/2014/main" id="{36FBD00A-8957-71CC-BA65-1C30DC14623E}"/>
-              </a:ext>
-            </a:extLst>
-          </p:cNvPr>
-          <p:cNvSpPr txBox="1"/>
-          <p:nvPr/>
-        </p:nvSpPr>
-        <p:spPr>
-          <a:xfrm>
-            <a:off x="-75277" y="10786398"/>
-            <a:ext cx="428322" cy="646331"/>
-          </a:xfrm>
-          <a:prstGeom prst="rect">
-            <a:avLst/>
-          </a:prstGeom>
-          <a:noFill/>
-          <a:ln w="76200">
-            <a:noFill/>
-          </a:ln>
-        </p:spPr>
-        <p:txBody>
-          <a:bodyPr wrap="none" rtlCol="0">
-            <a:spAutoFit/>
-          </a:bodyPr>
-          <a:lstStyle/>
-          <a:p>
-            <a:r>
-              <a:rPr lang="en-US" sz="3600" b="1" dirty="0"/>
-              <a:t>C</a:t>
-            </a:r>
-            <a:endParaRPr lang="vi-VN" sz="3600" b="1" dirty="0"/>
-          </a:p>
-        </p:txBody>
-      </p:sp>
-    </p:spTree>
-    <p:extLst>
-      <p:ext uri="{BB962C8B-B14F-4D97-AF65-F5344CB8AC3E}">
-        <p14:creationId xmlns:p14="http://schemas.microsoft.com/office/powerpoint/2010/main" val="2687981443"/>
-      </p:ext>
-    </p:extLst>
-  </p:cSld>
-  <p:clrMapOvr>
-    <a:masterClrMapping/>
-  </p:clrMapOvr>
-</p:sld>
-</file>
-
-<file path=ppt/slides/slide2.xml><?xml version="1.0" encoding="utf-8"?>
-<p:sld xmlns:a="http://schemas.openxmlformats.org/drawingml/2006/main" xmlns:r="http://schemas.openxmlformats.org/officeDocument/2006/relationships" xmlns:p="http://schemas.openxmlformats.org/presentationml/2006/main">
-  <p:cSld>
-    <p:spTree>
-      <p:nvGrpSpPr>
-        <p:cNvPr id="1" name=""/>
-        <p:cNvGrpSpPr/>
-        <p:nvPr/>
-      </p:nvGrpSpPr>
-      <p:grpSpPr>
-        <a:xfrm>
-          <a:off x="0" y="0"/>
-          <a:ext cx="0" cy="0"/>
-          <a:chOff x="0" y="0"/>
-          <a:chExt cx="0" cy="0"/>
-        </a:xfrm>
-      </p:grpSpPr>
-      <p:sp>
-        <p:nvSpPr>
-          <p:cNvPr id="6" name="Rectangle: Rounded Corners 5">
-            <a:extLst>
-              <a:ext uri="{FF2B5EF4-FFF2-40B4-BE49-F238E27FC236}">
-                <a16:creationId xmlns:a16="http://schemas.microsoft.com/office/drawing/2014/main" id="{F4860B69-F69A-46B8-89B7-76C7592159E0}"/>
-              </a:ext>
-            </a:extLst>
-          </p:cNvPr>
-          <p:cNvSpPr/>
-          <p:nvPr/>
-        </p:nvSpPr>
-        <p:spPr>
-          <a:xfrm>
-            <a:off x="1437017" y="-4876798"/>
-            <a:ext cx="2884129" cy="537497"/>
-          </a:xfrm>
-          <a:prstGeom prst="roundRect">
-            <a:avLst/>
-          </a:prstGeom>
-          <a:noFill/>
-          <a:ln w="12700">
-            <a:solidFill>
-              <a:schemeClr val="tx1"/>
-            </a:solidFill>
-          </a:ln>
-        </p:spPr>
-        <p:style>
-          <a:lnRef idx="2">
-            <a:schemeClr val="accent1">
-              <a:shade val="15000"/>
-            </a:schemeClr>
-          </a:lnRef>
-          <a:fillRef idx="1">
-            <a:schemeClr val="accent1"/>
-          </a:fillRef>
-          <a:effectRef idx="0">
-            <a:schemeClr val="accent1"/>
-          </a:effectRef>
-          <a:fontRef idx="minor">
-            <a:schemeClr val="lt1"/>
-          </a:fontRef>
-        </p:style>
-        <p:txBody>
-          <a:bodyPr rtlCol="0" anchor="ctr"/>
-          <a:lstStyle/>
-          <a:p>
-            <a:pPr algn="ctr"/>
-            <a:r>
               <a:rPr lang="en-US" sz="2800" dirty="0">
                 <a:solidFill>
                   <a:schemeClr val="tx1"/>
                 </a:solidFill>
               </a:rPr>
-              <a:t>Start</a:t>
+              <a:t>(0) Grade(score)</a:t>
             </a:r>
             <a:endParaRPr lang="vi-VN" sz="2800" dirty="0">
               <a:solidFill>
@@ -7309,7 +6037,7 @@
 </p:sld>
 </file>
 
-<file path=ppt/slides/slide3.xml><?xml version="1.0" encoding="utf-8"?>
+<file path=ppt/slides/slide2.xml><?xml version="1.0" encoding="utf-8"?>
 <p:sld xmlns:a="http://schemas.openxmlformats.org/drawingml/2006/main" xmlns:r="http://schemas.openxmlformats.org/officeDocument/2006/relationships" xmlns:p="http://schemas.openxmlformats.org/presentationml/2006/main">
   <p:cSld>
     <p:spTree>
@@ -7386,7 +6114,7 @@
                   <a:schemeClr val="tx1"/>
                 </a:solidFill>
               </a:rPr>
-              <a:t>Sum(n)</a:t>
+              <a:t>(0) Sum(n)</a:t>
             </a:r>
             <a:endParaRPr lang="vi-VN" sz="2800" dirty="0">
               <a:solidFill>
@@ -8389,7 +7117,7 @@
 </p:sld>
 </file>
 
-<file path=ppt/slides/slide4.xml><?xml version="1.0" encoding="utf-8"?>
+<file path=ppt/slides/slide3.xml><?xml version="1.0" encoding="utf-8"?>
 <p:sld xmlns:a="http://schemas.openxmlformats.org/drawingml/2006/main" xmlns:r="http://schemas.openxmlformats.org/officeDocument/2006/relationships" xmlns:p="http://schemas.openxmlformats.org/presentationml/2006/main">
   <p:cSld>
     <p:spTree>
@@ -8466,7 +7194,7 @@
                   <a:schemeClr val="tx1"/>
                 </a:solidFill>
               </a:rPr>
-              <a:t>foo(x)</a:t>
+              <a:t>(0) foo(x)</a:t>
             </a:r>
             <a:endParaRPr lang="vi-VN" sz="2800" dirty="0">
               <a:solidFill>
@@ -9641,6 +8369,1692 @@
     <p:extLst>
       <p:ext uri="{BB962C8B-B14F-4D97-AF65-F5344CB8AC3E}">
         <p14:creationId xmlns:p14="http://schemas.microsoft.com/office/powerpoint/2010/main" val="3822188600"/>
+      </p:ext>
+    </p:extLst>
+  </p:cSld>
+  <p:clrMapOvr>
+    <a:masterClrMapping/>
+  </p:clrMapOvr>
+</p:sld>
+</file>
+
+<file path=ppt/slides/slide4.xml><?xml version="1.0" encoding="utf-8"?>
+<p:sld xmlns:a="http://schemas.openxmlformats.org/drawingml/2006/main" xmlns:r="http://schemas.openxmlformats.org/officeDocument/2006/relationships" xmlns:p="http://schemas.openxmlformats.org/presentationml/2006/main">
+  <p:cSld>
+    <p:spTree>
+      <p:nvGrpSpPr>
+        <p:cNvPr id="1" name="">
+          <a:extLst>
+            <a:ext uri="{FF2B5EF4-FFF2-40B4-BE49-F238E27FC236}">
+              <a16:creationId xmlns:a16="http://schemas.microsoft.com/office/drawing/2014/main" id="{1F33FB49-3BBA-C056-5823-0338752387A9}"/>
+            </a:ext>
+          </a:extLst>
+        </p:cNvPr>
+        <p:cNvGrpSpPr/>
+        <p:nvPr/>
+      </p:nvGrpSpPr>
+      <p:grpSpPr>
+        <a:xfrm>
+          <a:off x="0" y="0"/>
+          <a:ext cx="0" cy="0"/>
+          <a:chOff x="0" y="0"/>
+          <a:chExt cx="0" cy="0"/>
+        </a:xfrm>
+      </p:grpSpPr>
+      <p:sp>
+        <p:nvSpPr>
+          <p:cNvPr id="6" name="Rectangle: Rounded Corners 5">
+            <a:extLst>
+              <a:ext uri="{FF2B5EF4-FFF2-40B4-BE49-F238E27FC236}">
+                <a16:creationId xmlns:a16="http://schemas.microsoft.com/office/drawing/2014/main" id="{2389B147-0FE6-456E-01D2-03EACB642B15}"/>
+              </a:ext>
+            </a:extLst>
+          </p:cNvPr>
+          <p:cNvSpPr/>
+          <p:nvPr/>
+        </p:nvSpPr>
+        <p:spPr>
+          <a:xfrm>
+            <a:off x="-2232590" y="-4876798"/>
+            <a:ext cx="4808826" cy="537497"/>
+          </a:xfrm>
+          <a:prstGeom prst="roundRect">
+            <a:avLst/>
+          </a:prstGeom>
+          <a:noFill/>
+          <a:ln w="12700">
+            <a:solidFill>
+              <a:schemeClr val="tx1"/>
+            </a:solidFill>
+          </a:ln>
+        </p:spPr>
+        <p:style>
+          <a:lnRef idx="2">
+            <a:schemeClr val="accent1">
+              <a:shade val="15000"/>
+            </a:schemeClr>
+          </a:lnRef>
+          <a:fillRef idx="1">
+            <a:schemeClr val="accent1"/>
+          </a:fillRef>
+          <a:effectRef idx="0">
+            <a:schemeClr val="accent1"/>
+          </a:effectRef>
+          <a:fontRef idx="minor">
+            <a:schemeClr val="lt1"/>
+          </a:fontRef>
+        </p:style>
+        <p:txBody>
+          <a:bodyPr rtlCol="0" anchor="ctr"/>
+          <a:lstStyle/>
+          <a:p>
+            <a:pPr algn="ctr"/>
+            <a:r>
+              <a:rPr lang="en-US" sz="2800" dirty="0">
+                <a:solidFill>
+                  <a:schemeClr val="tx1"/>
+                </a:solidFill>
+              </a:rPr>
+              <a:t>(0) </a:t>
+            </a:r>
+            <a:r>
+              <a:rPr lang="en-US" sz="2800" dirty="0" err="1">
+                <a:solidFill>
+                  <a:schemeClr val="tx1"/>
+                </a:solidFill>
+              </a:rPr>
+              <a:t>kha_nang_cho_vay</a:t>
+            </a:r>
+            <a:r>
+              <a:rPr lang="en-US" sz="2800" dirty="0">
+                <a:solidFill>
+                  <a:schemeClr val="tx1"/>
+                </a:solidFill>
+              </a:rPr>
+              <a:t>(a, b, c)</a:t>
+            </a:r>
+            <a:endParaRPr lang="vi-VN" sz="2800" dirty="0">
+              <a:solidFill>
+                <a:schemeClr val="tx1"/>
+              </a:solidFill>
+            </a:endParaRPr>
+          </a:p>
+        </p:txBody>
+      </p:sp>
+      <p:cxnSp>
+        <p:nvCxnSpPr>
+          <p:cNvPr id="7" name="Straight Arrow Connector 6">
+            <a:extLst>
+              <a:ext uri="{FF2B5EF4-FFF2-40B4-BE49-F238E27FC236}">
+                <a16:creationId xmlns:a16="http://schemas.microsoft.com/office/drawing/2014/main" id="{E59DEF21-0C07-5756-C9E6-9E443E57470F}"/>
+              </a:ext>
+            </a:extLst>
+          </p:cNvPr>
+          <p:cNvCxnSpPr>
+            <a:cxnSpLocks/>
+            <a:stCxn id="6" idx="2"/>
+            <a:endCxn id="9" idx="0"/>
+          </p:cNvCxnSpPr>
+          <p:nvPr/>
+        </p:nvCxnSpPr>
+        <p:spPr>
+          <a:xfrm>
+            <a:off x="171823" y="-4339301"/>
+            <a:ext cx="0" cy="1616596"/>
+          </a:xfrm>
+          <a:prstGeom prst="straightConnector1">
+            <a:avLst/>
+          </a:prstGeom>
+          <a:ln w="12700">
+            <a:solidFill>
+              <a:schemeClr val="tx1"/>
+            </a:solidFill>
+            <a:tailEnd type="triangle"/>
+          </a:ln>
+        </p:spPr>
+        <p:style>
+          <a:lnRef idx="1">
+            <a:schemeClr val="accent1"/>
+          </a:lnRef>
+          <a:fillRef idx="0">
+            <a:schemeClr val="accent1"/>
+          </a:fillRef>
+          <a:effectRef idx="0">
+            <a:schemeClr val="accent1"/>
+          </a:effectRef>
+          <a:fontRef idx="minor">
+            <a:schemeClr val="tx1"/>
+          </a:fontRef>
+        </p:style>
+      </p:cxnSp>
+      <p:sp>
+        <p:nvSpPr>
+          <p:cNvPr id="9" name="Diamond 8">
+            <a:extLst>
+              <a:ext uri="{FF2B5EF4-FFF2-40B4-BE49-F238E27FC236}">
+                <a16:creationId xmlns:a16="http://schemas.microsoft.com/office/drawing/2014/main" id="{258A3EF0-2E6F-B50C-9310-41F7EE2A6FF4}"/>
+              </a:ext>
+            </a:extLst>
+          </p:cNvPr>
+          <p:cNvSpPr/>
+          <p:nvPr/>
+        </p:nvSpPr>
+        <p:spPr>
+          <a:xfrm>
+            <a:off x="-4526279" y="-2722705"/>
+            <a:ext cx="9396204" cy="1545696"/>
+          </a:xfrm>
+          <a:prstGeom prst="diamond">
+            <a:avLst/>
+          </a:prstGeom>
+          <a:noFill/>
+          <a:ln w="12700">
+            <a:solidFill>
+              <a:schemeClr val="tx1"/>
+            </a:solidFill>
+          </a:ln>
+        </p:spPr>
+        <p:style>
+          <a:lnRef idx="2">
+            <a:schemeClr val="accent1">
+              <a:shade val="15000"/>
+            </a:schemeClr>
+          </a:lnRef>
+          <a:fillRef idx="1">
+            <a:schemeClr val="accent1"/>
+          </a:fillRef>
+          <a:effectRef idx="0">
+            <a:schemeClr val="accent1"/>
+          </a:effectRef>
+          <a:fontRef idx="minor">
+            <a:schemeClr val="lt1"/>
+          </a:fontRef>
+        </p:style>
+        <p:txBody>
+          <a:bodyPr rtlCol="0" anchor="ctr"/>
+          <a:lstStyle/>
+          <a:p>
+            <a:pPr algn="ctr"/>
+            <a:r>
+              <a:rPr lang="en-US" sz="2400" dirty="0">
+                <a:solidFill>
+                  <a:schemeClr val="tx1"/>
+                </a:solidFill>
+              </a:rPr>
+              <a:t>(1) a &lt; 150 || a &gt; 750 || b &lt; 0.01 || b &gt; 1000.00 || c &lt; 0.00 || c &gt; 100.00</a:t>
+            </a:r>
+            <a:endParaRPr lang="vi-VN" sz="2400" dirty="0">
+              <a:solidFill>
+                <a:schemeClr val="tx1"/>
+              </a:solidFill>
+            </a:endParaRPr>
+          </a:p>
+        </p:txBody>
+      </p:sp>
+      <p:sp>
+        <p:nvSpPr>
+          <p:cNvPr id="10" name="Rectangle 9">
+            <a:extLst>
+              <a:ext uri="{FF2B5EF4-FFF2-40B4-BE49-F238E27FC236}">
+                <a16:creationId xmlns:a16="http://schemas.microsoft.com/office/drawing/2014/main" id="{D84E1E03-7354-3F00-191F-7FA081A84FF1}"/>
+              </a:ext>
+            </a:extLst>
+          </p:cNvPr>
+          <p:cNvSpPr/>
+          <p:nvPr/>
+        </p:nvSpPr>
+        <p:spPr>
+          <a:xfrm>
+            <a:off x="5672566" y="-2220647"/>
+            <a:ext cx="5102114" cy="541580"/>
+          </a:xfrm>
+          <a:prstGeom prst="rect">
+            <a:avLst/>
+          </a:prstGeom>
+          <a:noFill/>
+          <a:ln w="12700">
+            <a:solidFill>
+              <a:schemeClr val="tx1"/>
+            </a:solidFill>
+          </a:ln>
+        </p:spPr>
+        <p:style>
+          <a:lnRef idx="2">
+            <a:schemeClr val="accent1">
+              <a:shade val="15000"/>
+            </a:schemeClr>
+          </a:lnRef>
+          <a:fillRef idx="1">
+            <a:schemeClr val="accent1"/>
+          </a:fillRef>
+          <a:effectRef idx="0">
+            <a:schemeClr val="accent1"/>
+          </a:effectRef>
+          <a:fontRef idx="minor">
+            <a:schemeClr val="lt1"/>
+          </a:fontRef>
+        </p:style>
+        <p:txBody>
+          <a:bodyPr rtlCol="0" anchor="ctr"/>
+          <a:lstStyle/>
+          <a:p>
+            <a:pPr algn="ctr"/>
+            <a:r>
+              <a:rPr lang="en-US" sz="2400" dirty="0">
+                <a:solidFill>
+                  <a:schemeClr val="tx1"/>
+                </a:solidFill>
+                <a:latin typeface="Roboto" panose="02000000000000000000" pitchFamily="2" charset="0"/>
+              </a:rPr>
+              <a:t>(2) return "</a:t>
+            </a:r>
+            <a:r>
+              <a:rPr lang="en-US" sz="2400" dirty="0" err="1">
+                <a:solidFill>
+                  <a:schemeClr val="tx1"/>
+                </a:solidFill>
+                <a:latin typeface="Roboto" panose="02000000000000000000" pitchFamily="2" charset="0"/>
+              </a:rPr>
+              <a:t>Đầu</a:t>
+            </a:r>
+            <a:r>
+              <a:rPr lang="en-US" sz="2400" dirty="0">
+                <a:solidFill>
+                  <a:schemeClr val="tx1"/>
+                </a:solidFill>
+                <a:latin typeface="Roboto" panose="02000000000000000000" pitchFamily="2" charset="0"/>
+              </a:rPr>
+              <a:t> </a:t>
+            </a:r>
+            <a:r>
+              <a:rPr lang="en-US" sz="2400" dirty="0" err="1">
+                <a:solidFill>
+                  <a:schemeClr val="tx1"/>
+                </a:solidFill>
+                <a:latin typeface="Roboto" panose="02000000000000000000" pitchFamily="2" charset="0"/>
+              </a:rPr>
+              <a:t>vào</a:t>
+            </a:r>
+            <a:r>
+              <a:rPr lang="en-US" sz="2400" dirty="0">
+                <a:solidFill>
+                  <a:schemeClr val="tx1"/>
+                </a:solidFill>
+                <a:latin typeface="Roboto" panose="02000000000000000000" pitchFamily="2" charset="0"/>
+              </a:rPr>
+              <a:t> </a:t>
+            </a:r>
+            <a:r>
+              <a:rPr lang="en-US" sz="2400" dirty="0" err="1">
+                <a:solidFill>
+                  <a:schemeClr val="tx1"/>
+                </a:solidFill>
+                <a:latin typeface="Roboto" panose="02000000000000000000" pitchFamily="2" charset="0"/>
+              </a:rPr>
+              <a:t>không</a:t>
+            </a:r>
+            <a:r>
+              <a:rPr lang="en-US" sz="2400" dirty="0">
+                <a:solidFill>
+                  <a:schemeClr val="tx1"/>
+                </a:solidFill>
+                <a:latin typeface="Roboto" panose="02000000000000000000" pitchFamily="2" charset="0"/>
+              </a:rPr>
+              <a:t> </a:t>
+            </a:r>
+            <a:r>
+              <a:rPr lang="en-US" sz="2400" dirty="0" err="1">
+                <a:solidFill>
+                  <a:schemeClr val="tx1"/>
+                </a:solidFill>
+                <a:latin typeface="Roboto" panose="02000000000000000000" pitchFamily="2" charset="0"/>
+              </a:rPr>
+              <a:t>hợp</a:t>
+            </a:r>
+            <a:r>
+              <a:rPr lang="en-US" sz="2400" dirty="0">
+                <a:solidFill>
+                  <a:schemeClr val="tx1"/>
+                </a:solidFill>
+                <a:latin typeface="Roboto" panose="02000000000000000000" pitchFamily="2" charset="0"/>
+              </a:rPr>
+              <a:t> </a:t>
+            </a:r>
+            <a:r>
+              <a:rPr lang="en-US" sz="2400" dirty="0" err="1">
+                <a:solidFill>
+                  <a:schemeClr val="tx1"/>
+                </a:solidFill>
+                <a:latin typeface="Roboto" panose="02000000000000000000" pitchFamily="2" charset="0"/>
+              </a:rPr>
+              <a:t>lệ</a:t>
+            </a:r>
+            <a:r>
+              <a:rPr lang="en-US" sz="2400" dirty="0">
+                <a:solidFill>
+                  <a:schemeClr val="tx1"/>
+                </a:solidFill>
+                <a:latin typeface="Roboto" panose="02000000000000000000" pitchFamily="2" charset="0"/>
+              </a:rPr>
+              <a:t>"</a:t>
+            </a:r>
+            <a:endParaRPr lang="vi-VN" sz="2400" dirty="0">
+              <a:solidFill>
+                <a:schemeClr val="tx1"/>
+              </a:solidFill>
+            </a:endParaRPr>
+          </a:p>
+        </p:txBody>
+      </p:sp>
+      <p:cxnSp>
+        <p:nvCxnSpPr>
+          <p:cNvPr id="14" name="Straight Arrow Connector 13">
+            <a:extLst>
+              <a:ext uri="{FF2B5EF4-FFF2-40B4-BE49-F238E27FC236}">
+                <a16:creationId xmlns:a16="http://schemas.microsoft.com/office/drawing/2014/main" id="{7B0D7ADC-4270-9C0F-0426-706B73C14EC1}"/>
+              </a:ext>
+            </a:extLst>
+          </p:cNvPr>
+          <p:cNvCxnSpPr>
+            <a:cxnSpLocks/>
+            <a:stCxn id="9" idx="3"/>
+            <a:endCxn id="10" idx="1"/>
+          </p:cNvCxnSpPr>
+          <p:nvPr/>
+        </p:nvCxnSpPr>
+        <p:spPr>
+          <a:xfrm>
+            <a:off x="4869925" y="-1949857"/>
+            <a:ext cx="802641" cy="0"/>
+          </a:xfrm>
+          <a:prstGeom prst="straightConnector1">
+            <a:avLst/>
+          </a:prstGeom>
+          <a:ln w="12700">
+            <a:solidFill>
+              <a:schemeClr val="tx1"/>
+            </a:solidFill>
+            <a:tailEnd type="triangle"/>
+          </a:ln>
+        </p:spPr>
+        <p:style>
+          <a:lnRef idx="1">
+            <a:schemeClr val="accent1"/>
+          </a:lnRef>
+          <a:fillRef idx="0">
+            <a:schemeClr val="accent1"/>
+          </a:fillRef>
+          <a:effectRef idx="0">
+            <a:schemeClr val="accent1"/>
+          </a:effectRef>
+          <a:fontRef idx="minor">
+            <a:schemeClr val="tx1"/>
+          </a:fontRef>
+        </p:style>
+      </p:cxnSp>
+      <p:sp>
+        <p:nvSpPr>
+          <p:cNvPr id="24" name="Diamond 23">
+            <a:extLst>
+              <a:ext uri="{FF2B5EF4-FFF2-40B4-BE49-F238E27FC236}">
+                <a16:creationId xmlns:a16="http://schemas.microsoft.com/office/drawing/2014/main" id="{C63EF633-DDA1-8933-E195-8F0E8F41E294}"/>
+              </a:ext>
+            </a:extLst>
+          </p:cNvPr>
+          <p:cNvSpPr/>
+          <p:nvPr/>
+        </p:nvSpPr>
+        <p:spPr>
+          <a:xfrm>
+            <a:off x="-3017519" y="-575129"/>
+            <a:ext cx="6378684" cy="1545696"/>
+          </a:xfrm>
+          <a:prstGeom prst="diamond">
+            <a:avLst/>
+          </a:prstGeom>
+          <a:noFill/>
+          <a:ln w="12700">
+            <a:solidFill>
+              <a:schemeClr val="tx1"/>
+            </a:solidFill>
+          </a:ln>
+        </p:spPr>
+        <p:style>
+          <a:lnRef idx="2">
+            <a:schemeClr val="accent1">
+              <a:shade val="15000"/>
+            </a:schemeClr>
+          </a:lnRef>
+          <a:fillRef idx="1">
+            <a:schemeClr val="accent1"/>
+          </a:fillRef>
+          <a:effectRef idx="0">
+            <a:schemeClr val="accent1"/>
+          </a:effectRef>
+          <a:fontRef idx="minor">
+            <a:schemeClr val="lt1"/>
+          </a:fontRef>
+        </p:style>
+        <p:txBody>
+          <a:bodyPr rtlCol="0" anchor="ctr"/>
+          <a:lstStyle/>
+          <a:p>
+            <a:pPr algn="ctr"/>
+            <a:r>
+              <a:rPr lang="en-US" sz="2400" dirty="0">
+                <a:solidFill>
+                  <a:schemeClr val="tx1"/>
+                </a:solidFill>
+              </a:rPr>
+              <a:t>(3) a &lt; 430 &amp;&amp; b &gt;= 600 &amp;&amp; c &lt;= 70.00</a:t>
+            </a:r>
+            <a:endParaRPr lang="vi-VN" sz="2400" dirty="0">
+              <a:solidFill>
+                <a:schemeClr val="tx1"/>
+              </a:solidFill>
+            </a:endParaRPr>
+          </a:p>
+        </p:txBody>
+      </p:sp>
+      <p:sp>
+        <p:nvSpPr>
+          <p:cNvPr id="25" name="Rectangle 24">
+            <a:extLst>
+              <a:ext uri="{FF2B5EF4-FFF2-40B4-BE49-F238E27FC236}">
+                <a16:creationId xmlns:a16="http://schemas.microsoft.com/office/drawing/2014/main" id="{6CA274E5-8F16-568C-5255-378BFF9CEE97}"/>
+              </a:ext>
+            </a:extLst>
+          </p:cNvPr>
+          <p:cNvSpPr/>
+          <p:nvPr/>
+        </p:nvSpPr>
+        <p:spPr>
+          <a:xfrm>
+            <a:off x="5672566" y="-73071"/>
+            <a:ext cx="5102114" cy="541580"/>
+          </a:xfrm>
+          <a:prstGeom prst="rect">
+            <a:avLst/>
+          </a:prstGeom>
+          <a:noFill/>
+          <a:ln w="12700">
+            <a:solidFill>
+              <a:schemeClr val="tx1"/>
+            </a:solidFill>
+          </a:ln>
+        </p:spPr>
+        <p:style>
+          <a:lnRef idx="2">
+            <a:schemeClr val="accent1">
+              <a:shade val="15000"/>
+            </a:schemeClr>
+          </a:lnRef>
+          <a:fillRef idx="1">
+            <a:schemeClr val="accent1"/>
+          </a:fillRef>
+          <a:effectRef idx="0">
+            <a:schemeClr val="accent1"/>
+          </a:effectRef>
+          <a:fontRef idx="minor">
+            <a:schemeClr val="lt1"/>
+          </a:fontRef>
+        </p:style>
+        <p:txBody>
+          <a:bodyPr rtlCol="0" anchor="ctr"/>
+          <a:lstStyle/>
+          <a:p>
+            <a:pPr algn="ctr"/>
+            <a:r>
+              <a:rPr lang="en-US" sz="2400" dirty="0">
+                <a:solidFill>
+                  <a:schemeClr val="tx1"/>
+                </a:solidFill>
+                <a:latin typeface="Roboto" panose="02000000000000000000" pitchFamily="2" charset="0"/>
+              </a:rPr>
+              <a:t>(4) return "</a:t>
+            </a:r>
+            <a:r>
+              <a:rPr lang="en-US" sz="2400" dirty="0" err="1">
+                <a:solidFill>
+                  <a:schemeClr val="tx1"/>
+                </a:solidFill>
+                <a:latin typeface="Roboto" panose="02000000000000000000" pitchFamily="2" charset="0"/>
+              </a:rPr>
+              <a:t>Không</a:t>
+            </a:r>
+            <a:r>
+              <a:rPr lang="en-US" sz="2400" dirty="0">
+                <a:solidFill>
+                  <a:schemeClr val="tx1"/>
+                </a:solidFill>
+                <a:latin typeface="Roboto" panose="02000000000000000000" pitchFamily="2" charset="0"/>
+              </a:rPr>
+              <a:t> </a:t>
+            </a:r>
+            <a:r>
+              <a:rPr lang="en-US" sz="2400" dirty="0" err="1">
+                <a:solidFill>
+                  <a:schemeClr val="tx1"/>
+                </a:solidFill>
+                <a:latin typeface="Roboto" panose="02000000000000000000" pitchFamily="2" charset="0"/>
+              </a:rPr>
+              <a:t>phê</a:t>
+            </a:r>
+            <a:r>
+              <a:rPr lang="en-US" sz="2400" dirty="0">
+                <a:solidFill>
+                  <a:schemeClr val="tx1"/>
+                </a:solidFill>
+                <a:latin typeface="Roboto" panose="02000000000000000000" pitchFamily="2" charset="0"/>
+              </a:rPr>
+              <a:t> </a:t>
+            </a:r>
+            <a:r>
+              <a:rPr lang="en-US" sz="2400" dirty="0" err="1">
+                <a:solidFill>
+                  <a:schemeClr val="tx1"/>
+                </a:solidFill>
+                <a:latin typeface="Roboto" panose="02000000000000000000" pitchFamily="2" charset="0"/>
+              </a:rPr>
+              <a:t>duyệt</a:t>
+            </a:r>
+            <a:r>
+              <a:rPr lang="en-US" sz="2400" dirty="0">
+                <a:solidFill>
+                  <a:schemeClr val="tx1"/>
+                </a:solidFill>
+                <a:latin typeface="Roboto" panose="02000000000000000000" pitchFamily="2" charset="0"/>
+              </a:rPr>
+              <a:t> </a:t>
+            </a:r>
+            <a:r>
+              <a:rPr lang="en-US" sz="2400" dirty="0" err="1">
+                <a:solidFill>
+                  <a:schemeClr val="tx1"/>
+                </a:solidFill>
+                <a:latin typeface="Roboto" panose="02000000000000000000" pitchFamily="2" charset="0"/>
+              </a:rPr>
+              <a:t>vay</a:t>
+            </a:r>
+            <a:r>
+              <a:rPr lang="en-US" sz="2400" dirty="0">
+                <a:solidFill>
+                  <a:schemeClr val="tx1"/>
+                </a:solidFill>
+                <a:latin typeface="Roboto" panose="02000000000000000000" pitchFamily="2" charset="0"/>
+              </a:rPr>
+              <a:t>"</a:t>
+            </a:r>
+            <a:endParaRPr lang="vi-VN" sz="2400" dirty="0">
+              <a:solidFill>
+                <a:schemeClr val="tx1"/>
+              </a:solidFill>
+            </a:endParaRPr>
+          </a:p>
+        </p:txBody>
+      </p:sp>
+      <p:cxnSp>
+        <p:nvCxnSpPr>
+          <p:cNvPr id="26" name="Straight Arrow Connector 25">
+            <a:extLst>
+              <a:ext uri="{FF2B5EF4-FFF2-40B4-BE49-F238E27FC236}">
+                <a16:creationId xmlns:a16="http://schemas.microsoft.com/office/drawing/2014/main" id="{476FBDAB-3D91-A785-5635-8CCE1353D392}"/>
+              </a:ext>
+            </a:extLst>
+          </p:cNvPr>
+          <p:cNvCxnSpPr>
+            <a:cxnSpLocks/>
+            <a:stCxn id="9" idx="2"/>
+            <a:endCxn id="24" idx="0"/>
+          </p:cNvCxnSpPr>
+          <p:nvPr/>
+        </p:nvCxnSpPr>
+        <p:spPr>
+          <a:xfrm>
+            <a:off x="171823" y="-1177009"/>
+            <a:ext cx="0" cy="601880"/>
+          </a:xfrm>
+          <a:prstGeom prst="straightConnector1">
+            <a:avLst/>
+          </a:prstGeom>
+          <a:ln w="12700">
+            <a:solidFill>
+              <a:schemeClr val="tx1"/>
+            </a:solidFill>
+            <a:tailEnd type="triangle"/>
+          </a:ln>
+        </p:spPr>
+        <p:style>
+          <a:lnRef idx="1">
+            <a:schemeClr val="accent1"/>
+          </a:lnRef>
+          <a:fillRef idx="0">
+            <a:schemeClr val="accent1"/>
+          </a:fillRef>
+          <a:effectRef idx="0">
+            <a:schemeClr val="accent1"/>
+          </a:effectRef>
+          <a:fontRef idx="minor">
+            <a:schemeClr val="tx1"/>
+          </a:fontRef>
+        </p:style>
+      </p:cxnSp>
+      <p:cxnSp>
+        <p:nvCxnSpPr>
+          <p:cNvPr id="27" name="Straight Arrow Connector 26">
+            <a:extLst>
+              <a:ext uri="{FF2B5EF4-FFF2-40B4-BE49-F238E27FC236}">
+                <a16:creationId xmlns:a16="http://schemas.microsoft.com/office/drawing/2014/main" id="{3D9C45BB-90EA-1719-1074-3ED5F060E4DC}"/>
+              </a:ext>
+            </a:extLst>
+          </p:cNvPr>
+          <p:cNvCxnSpPr>
+            <a:cxnSpLocks/>
+            <a:stCxn id="24" idx="3"/>
+            <a:endCxn id="25" idx="1"/>
+          </p:cNvCxnSpPr>
+          <p:nvPr/>
+        </p:nvCxnSpPr>
+        <p:spPr>
+          <a:xfrm>
+            <a:off x="3361165" y="197719"/>
+            <a:ext cx="2311401" cy="0"/>
+          </a:xfrm>
+          <a:prstGeom prst="straightConnector1">
+            <a:avLst/>
+          </a:prstGeom>
+          <a:ln w="12700">
+            <a:solidFill>
+              <a:schemeClr val="tx1"/>
+            </a:solidFill>
+            <a:tailEnd type="triangle"/>
+          </a:ln>
+        </p:spPr>
+        <p:style>
+          <a:lnRef idx="1">
+            <a:schemeClr val="accent1"/>
+          </a:lnRef>
+          <a:fillRef idx="0">
+            <a:schemeClr val="accent1"/>
+          </a:fillRef>
+          <a:effectRef idx="0">
+            <a:schemeClr val="accent1"/>
+          </a:effectRef>
+          <a:fontRef idx="minor">
+            <a:schemeClr val="tx1"/>
+          </a:fontRef>
+        </p:style>
+      </p:cxnSp>
+      <p:sp>
+        <p:nvSpPr>
+          <p:cNvPr id="30" name="TextBox 29">
+            <a:extLst>
+              <a:ext uri="{FF2B5EF4-FFF2-40B4-BE49-F238E27FC236}">
+                <a16:creationId xmlns:a16="http://schemas.microsoft.com/office/drawing/2014/main" id="{1213EC91-1F60-A676-EA07-B850CC613582}"/>
+              </a:ext>
+            </a:extLst>
+          </p:cNvPr>
+          <p:cNvSpPr txBox="1"/>
+          <p:nvPr/>
+        </p:nvSpPr>
+        <p:spPr>
+          <a:xfrm>
+            <a:off x="4869924" y="-2368459"/>
+            <a:ext cx="296876" cy="369332"/>
+          </a:xfrm>
+          <a:prstGeom prst="rect">
+            <a:avLst/>
+          </a:prstGeom>
+          <a:noFill/>
+          <a:ln w="12700">
+            <a:noFill/>
+          </a:ln>
+        </p:spPr>
+        <p:txBody>
+          <a:bodyPr wrap="none" rtlCol="0">
+            <a:spAutoFit/>
+          </a:bodyPr>
+          <a:lstStyle/>
+          <a:p>
+            <a:r>
+              <a:rPr lang="en-US" dirty="0"/>
+              <a:t>T</a:t>
+            </a:r>
+            <a:endParaRPr lang="vi-VN" dirty="0"/>
+          </a:p>
+        </p:txBody>
+      </p:sp>
+      <p:sp>
+        <p:nvSpPr>
+          <p:cNvPr id="31" name="TextBox 30">
+            <a:extLst>
+              <a:ext uri="{FF2B5EF4-FFF2-40B4-BE49-F238E27FC236}">
+                <a16:creationId xmlns:a16="http://schemas.microsoft.com/office/drawing/2014/main" id="{D5D9BBD7-A1EE-E34B-8A82-0573A64D2FA9}"/>
+              </a:ext>
+            </a:extLst>
+          </p:cNvPr>
+          <p:cNvSpPr txBox="1"/>
+          <p:nvPr/>
+        </p:nvSpPr>
+        <p:spPr>
+          <a:xfrm>
+            <a:off x="3742221" y="-346405"/>
+            <a:ext cx="296876" cy="369332"/>
+          </a:xfrm>
+          <a:prstGeom prst="rect">
+            <a:avLst/>
+          </a:prstGeom>
+          <a:noFill/>
+          <a:ln w="12700">
+            <a:noFill/>
+          </a:ln>
+        </p:spPr>
+        <p:txBody>
+          <a:bodyPr wrap="none" rtlCol="0">
+            <a:spAutoFit/>
+          </a:bodyPr>
+          <a:lstStyle/>
+          <a:p>
+            <a:r>
+              <a:rPr lang="en-US" dirty="0"/>
+              <a:t>T</a:t>
+            </a:r>
+            <a:endParaRPr lang="vi-VN" dirty="0"/>
+          </a:p>
+        </p:txBody>
+      </p:sp>
+      <p:sp>
+        <p:nvSpPr>
+          <p:cNvPr id="32" name="TextBox 31">
+            <a:extLst>
+              <a:ext uri="{FF2B5EF4-FFF2-40B4-BE49-F238E27FC236}">
+                <a16:creationId xmlns:a16="http://schemas.microsoft.com/office/drawing/2014/main" id="{C99EA8A5-886D-1133-8AC7-739993AFE40D}"/>
+              </a:ext>
+            </a:extLst>
+          </p:cNvPr>
+          <p:cNvSpPr txBox="1"/>
+          <p:nvPr/>
+        </p:nvSpPr>
+        <p:spPr>
+          <a:xfrm>
+            <a:off x="225906" y="-1106109"/>
+            <a:ext cx="290464" cy="369332"/>
+          </a:xfrm>
+          <a:prstGeom prst="rect">
+            <a:avLst/>
+          </a:prstGeom>
+          <a:noFill/>
+          <a:ln w="12700">
+            <a:noFill/>
+          </a:ln>
+        </p:spPr>
+        <p:txBody>
+          <a:bodyPr wrap="none" rtlCol="0">
+            <a:spAutoFit/>
+          </a:bodyPr>
+          <a:lstStyle/>
+          <a:p>
+            <a:r>
+              <a:rPr lang="en-US" dirty="0"/>
+              <a:t>F</a:t>
+            </a:r>
+            <a:endParaRPr lang="vi-VN" dirty="0"/>
+          </a:p>
+        </p:txBody>
+      </p:sp>
+      <p:sp>
+        <p:nvSpPr>
+          <p:cNvPr id="33" name="Diamond 32">
+            <a:extLst>
+              <a:ext uri="{FF2B5EF4-FFF2-40B4-BE49-F238E27FC236}">
+                <a16:creationId xmlns:a16="http://schemas.microsoft.com/office/drawing/2014/main" id="{DD61F0C4-AE82-66B7-52C7-20E9FC4BA8B7}"/>
+              </a:ext>
+            </a:extLst>
+          </p:cNvPr>
+          <p:cNvSpPr/>
+          <p:nvPr/>
+        </p:nvSpPr>
+        <p:spPr>
+          <a:xfrm>
+            <a:off x="-3017519" y="1582978"/>
+            <a:ext cx="6378684" cy="1545696"/>
+          </a:xfrm>
+          <a:prstGeom prst="diamond">
+            <a:avLst/>
+          </a:prstGeom>
+          <a:noFill/>
+          <a:ln w="12700">
+            <a:solidFill>
+              <a:schemeClr val="tx1"/>
+            </a:solidFill>
+          </a:ln>
+        </p:spPr>
+        <p:style>
+          <a:lnRef idx="2">
+            <a:schemeClr val="accent1">
+              <a:shade val="15000"/>
+            </a:schemeClr>
+          </a:lnRef>
+          <a:fillRef idx="1">
+            <a:schemeClr val="accent1"/>
+          </a:fillRef>
+          <a:effectRef idx="0">
+            <a:schemeClr val="accent1"/>
+          </a:effectRef>
+          <a:fontRef idx="minor">
+            <a:schemeClr val="lt1"/>
+          </a:fontRef>
+        </p:style>
+        <p:txBody>
+          <a:bodyPr rtlCol="0" anchor="ctr"/>
+          <a:lstStyle/>
+          <a:p>
+            <a:pPr algn="ctr"/>
+            <a:r>
+              <a:rPr lang="en-US" sz="2400" dirty="0">
+                <a:solidFill>
+                  <a:schemeClr val="tx1"/>
+                </a:solidFill>
+              </a:rPr>
+              <a:t>(5) a &gt;= 570 &amp;&amp; b &lt;= 50 &amp;&amp; c &gt;= 90.00</a:t>
+            </a:r>
+            <a:endParaRPr lang="vi-VN" sz="2400" dirty="0">
+              <a:solidFill>
+                <a:schemeClr val="tx1"/>
+              </a:solidFill>
+            </a:endParaRPr>
+          </a:p>
+        </p:txBody>
+      </p:sp>
+      <p:sp>
+        <p:nvSpPr>
+          <p:cNvPr id="34" name="Rectangle 33">
+            <a:extLst>
+              <a:ext uri="{FF2B5EF4-FFF2-40B4-BE49-F238E27FC236}">
+                <a16:creationId xmlns:a16="http://schemas.microsoft.com/office/drawing/2014/main" id="{9EACE993-E655-FF12-CC3E-F6865E2BDFBC}"/>
+              </a:ext>
+            </a:extLst>
+          </p:cNvPr>
+          <p:cNvSpPr/>
+          <p:nvPr/>
+        </p:nvSpPr>
+        <p:spPr>
+          <a:xfrm>
+            <a:off x="5672566" y="2085036"/>
+            <a:ext cx="5102114" cy="541580"/>
+          </a:xfrm>
+          <a:prstGeom prst="rect">
+            <a:avLst/>
+          </a:prstGeom>
+          <a:noFill/>
+          <a:ln w="12700">
+            <a:solidFill>
+              <a:schemeClr val="tx1"/>
+            </a:solidFill>
+          </a:ln>
+        </p:spPr>
+        <p:style>
+          <a:lnRef idx="2">
+            <a:schemeClr val="accent1">
+              <a:shade val="15000"/>
+            </a:schemeClr>
+          </a:lnRef>
+          <a:fillRef idx="1">
+            <a:schemeClr val="accent1"/>
+          </a:fillRef>
+          <a:effectRef idx="0">
+            <a:schemeClr val="accent1"/>
+          </a:effectRef>
+          <a:fontRef idx="minor">
+            <a:schemeClr val="lt1"/>
+          </a:fontRef>
+        </p:style>
+        <p:txBody>
+          <a:bodyPr rtlCol="0" anchor="ctr"/>
+          <a:lstStyle/>
+          <a:p>
+            <a:pPr algn="ctr"/>
+            <a:r>
+              <a:rPr lang="en-US" sz="2400" dirty="0">
+                <a:solidFill>
+                  <a:schemeClr val="tx1"/>
+                </a:solidFill>
+                <a:latin typeface="Roboto" panose="02000000000000000000" pitchFamily="2" charset="0"/>
+              </a:rPr>
+              <a:t>(6) return "Cho </a:t>
+            </a:r>
+            <a:r>
+              <a:rPr lang="en-US" sz="2400" dirty="0" err="1">
+                <a:solidFill>
+                  <a:schemeClr val="tx1"/>
+                </a:solidFill>
+                <a:latin typeface="Roboto" panose="02000000000000000000" pitchFamily="2" charset="0"/>
+              </a:rPr>
+              <a:t>vay</a:t>
+            </a:r>
+            <a:r>
+              <a:rPr lang="en-US" sz="2400" dirty="0">
+                <a:solidFill>
+                  <a:schemeClr val="tx1"/>
+                </a:solidFill>
+                <a:latin typeface="Roboto" panose="02000000000000000000" pitchFamily="2" charset="0"/>
+              </a:rPr>
+              <a:t> </a:t>
+            </a:r>
+            <a:r>
+              <a:rPr lang="en-US" sz="2400" dirty="0" err="1">
+                <a:solidFill>
+                  <a:schemeClr val="tx1"/>
+                </a:solidFill>
+                <a:latin typeface="Roboto" panose="02000000000000000000" pitchFamily="2" charset="0"/>
+              </a:rPr>
+              <a:t>với</a:t>
+            </a:r>
+            <a:r>
+              <a:rPr lang="en-US" sz="2400" dirty="0">
+                <a:solidFill>
+                  <a:schemeClr val="tx1"/>
+                </a:solidFill>
+                <a:latin typeface="Roboto" panose="02000000000000000000" pitchFamily="2" charset="0"/>
+              </a:rPr>
+              <a:t> </a:t>
+            </a:r>
+            <a:r>
+              <a:rPr lang="en-US" sz="2400" dirty="0" err="1">
+                <a:solidFill>
+                  <a:schemeClr val="tx1"/>
+                </a:solidFill>
+                <a:latin typeface="Roboto" panose="02000000000000000000" pitchFamily="2" charset="0"/>
+              </a:rPr>
+              <a:t>lãi</a:t>
+            </a:r>
+            <a:r>
+              <a:rPr lang="en-US" sz="2400" dirty="0">
+                <a:solidFill>
+                  <a:schemeClr val="tx1"/>
+                </a:solidFill>
+                <a:latin typeface="Roboto" panose="02000000000000000000" pitchFamily="2" charset="0"/>
+              </a:rPr>
+              <a:t> </a:t>
+            </a:r>
+            <a:r>
+              <a:rPr lang="en-US" sz="2400" dirty="0" err="1">
+                <a:solidFill>
+                  <a:schemeClr val="tx1"/>
+                </a:solidFill>
+                <a:latin typeface="Roboto" panose="02000000000000000000" pitchFamily="2" charset="0"/>
+              </a:rPr>
+              <a:t>thấp</a:t>
+            </a:r>
+            <a:r>
+              <a:rPr lang="en-US" sz="2400" dirty="0">
+                <a:solidFill>
+                  <a:schemeClr val="tx1"/>
+                </a:solidFill>
+                <a:latin typeface="Roboto" panose="02000000000000000000" pitchFamily="2" charset="0"/>
+              </a:rPr>
+              <a:t>"</a:t>
+            </a:r>
+            <a:endParaRPr lang="vi-VN" sz="2400" dirty="0">
+              <a:solidFill>
+                <a:schemeClr val="tx1"/>
+              </a:solidFill>
+            </a:endParaRPr>
+          </a:p>
+        </p:txBody>
+      </p:sp>
+      <p:cxnSp>
+        <p:nvCxnSpPr>
+          <p:cNvPr id="35" name="Straight Arrow Connector 34">
+            <a:extLst>
+              <a:ext uri="{FF2B5EF4-FFF2-40B4-BE49-F238E27FC236}">
+                <a16:creationId xmlns:a16="http://schemas.microsoft.com/office/drawing/2014/main" id="{43B21000-0C0D-9481-9AED-DAEF05447CF7}"/>
+              </a:ext>
+            </a:extLst>
+          </p:cNvPr>
+          <p:cNvCxnSpPr>
+            <a:cxnSpLocks/>
+            <a:stCxn id="24" idx="2"/>
+            <a:endCxn id="33" idx="0"/>
+          </p:cNvCxnSpPr>
+          <p:nvPr/>
+        </p:nvCxnSpPr>
+        <p:spPr>
+          <a:xfrm>
+            <a:off x="171823" y="970567"/>
+            <a:ext cx="0" cy="612411"/>
+          </a:xfrm>
+          <a:prstGeom prst="straightConnector1">
+            <a:avLst/>
+          </a:prstGeom>
+          <a:ln w="12700">
+            <a:solidFill>
+              <a:schemeClr val="tx1"/>
+            </a:solidFill>
+            <a:tailEnd type="triangle"/>
+          </a:ln>
+        </p:spPr>
+        <p:style>
+          <a:lnRef idx="1">
+            <a:schemeClr val="accent1"/>
+          </a:lnRef>
+          <a:fillRef idx="0">
+            <a:schemeClr val="accent1"/>
+          </a:fillRef>
+          <a:effectRef idx="0">
+            <a:schemeClr val="accent1"/>
+          </a:effectRef>
+          <a:fontRef idx="minor">
+            <a:schemeClr val="tx1"/>
+          </a:fontRef>
+        </p:style>
+      </p:cxnSp>
+      <p:cxnSp>
+        <p:nvCxnSpPr>
+          <p:cNvPr id="36" name="Straight Arrow Connector 35">
+            <a:extLst>
+              <a:ext uri="{FF2B5EF4-FFF2-40B4-BE49-F238E27FC236}">
+                <a16:creationId xmlns:a16="http://schemas.microsoft.com/office/drawing/2014/main" id="{A8238184-8892-4A42-FB6F-6C4632661FBE}"/>
+              </a:ext>
+            </a:extLst>
+          </p:cNvPr>
+          <p:cNvCxnSpPr>
+            <a:cxnSpLocks/>
+            <a:stCxn id="33" idx="3"/>
+            <a:endCxn id="34" idx="1"/>
+          </p:cNvCxnSpPr>
+          <p:nvPr/>
+        </p:nvCxnSpPr>
+        <p:spPr>
+          <a:xfrm>
+            <a:off x="3361165" y="2355826"/>
+            <a:ext cx="2311401" cy="0"/>
+          </a:xfrm>
+          <a:prstGeom prst="straightConnector1">
+            <a:avLst/>
+          </a:prstGeom>
+          <a:ln w="12700">
+            <a:solidFill>
+              <a:schemeClr val="tx1"/>
+            </a:solidFill>
+            <a:tailEnd type="triangle"/>
+          </a:ln>
+        </p:spPr>
+        <p:style>
+          <a:lnRef idx="1">
+            <a:schemeClr val="accent1"/>
+          </a:lnRef>
+          <a:fillRef idx="0">
+            <a:schemeClr val="accent1"/>
+          </a:fillRef>
+          <a:effectRef idx="0">
+            <a:schemeClr val="accent1"/>
+          </a:effectRef>
+          <a:fontRef idx="minor">
+            <a:schemeClr val="tx1"/>
+          </a:fontRef>
+        </p:style>
+      </p:cxnSp>
+      <p:sp>
+        <p:nvSpPr>
+          <p:cNvPr id="37" name="TextBox 36">
+            <a:extLst>
+              <a:ext uri="{FF2B5EF4-FFF2-40B4-BE49-F238E27FC236}">
+                <a16:creationId xmlns:a16="http://schemas.microsoft.com/office/drawing/2014/main" id="{F4AE7A08-25C1-FC6C-96E8-4B7BC7DEBF7B}"/>
+              </a:ext>
+            </a:extLst>
+          </p:cNvPr>
+          <p:cNvSpPr txBox="1"/>
+          <p:nvPr/>
+        </p:nvSpPr>
+        <p:spPr>
+          <a:xfrm>
+            <a:off x="3742221" y="1811702"/>
+            <a:ext cx="296876" cy="369332"/>
+          </a:xfrm>
+          <a:prstGeom prst="rect">
+            <a:avLst/>
+          </a:prstGeom>
+          <a:noFill/>
+          <a:ln w="12700">
+            <a:noFill/>
+          </a:ln>
+        </p:spPr>
+        <p:txBody>
+          <a:bodyPr wrap="none" rtlCol="0">
+            <a:spAutoFit/>
+          </a:bodyPr>
+          <a:lstStyle/>
+          <a:p>
+            <a:r>
+              <a:rPr lang="en-US" dirty="0"/>
+              <a:t>T</a:t>
+            </a:r>
+            <a:endParaRPr lang="vi-VN" dirty="0"/>
+          </a:p>
+        </p:txBody>
+      </p:sp>
+      <p:sp>
+        <p:nvSpPr>
+          <p:cNvPr id="38" name="TextBox 37">
+            <a:extLst>
+              <a:ext uri="{FF2B5EF4-FFF2-40B4-BE49-F238E27FC236}">
+                <a16:creationId xmlns:a16="http://schemas.microsoft.com/office/drawing/2014/main" id="{46DDCC44-85BD-71CD-CE31-E22C0243AB97}"/>
+              </a:ext>
+            </a:extLst>
+          </p:cNvPr>
+          <p:cNvSpPr txBox="1"/>
+          <p:nvPr/>
+        </p:nvSpPr>
+        <p:spPr>
+          <a:xfrm>
+            <a:off x="225906" y="1051998"/>
+            <a:ext cx="290464" cy="369332"/>
+          </a:xfrm>
+          <a:prstGeom prst="rect">
+            <a:avLst/>
+          </a:prstGeom>
+          <a:noFill/>
+          <a:ln w="12700">
+            <a:noFill/>
+          </a:ln>
+        </p:spPr>
+        <p:txBody>
+          <a:bodyPr wrap="none" rtlCol="0">
+            <a:spAutoFit/>
+          </a:bodyPr>
+          <a:lstStyle/>
+          <a:p>
+            <a:r>
+              <a:rPr lang="en-US" dirty="0"/>
+              <a:t>F</a:t>
+            </a:r>
+            <a:endParaRPr lang="vi-VN" dirty="0"/>
+          </a:p>
+        </p:txBody>
+      </p:sp>
+      <p:cxnSp>
+        <p:nvCxnSpPr>
+          <p:cNvPr id="41" name="Straight Arrow Connector 40">
+            <a:extLst>
+              <a:ext uri="{FF2B5EF4-FFF2-40B4-BE49-F238E27FC236}">
+                <a16:creationId xmlns:a16="http://schemas.microsoft.com/office/drawing/2014/main" id="{51FB8CC9-3E14-7193-40F1-D0FDFA44C85D}"/>
+              </a:ext>
+            </a:extLst>
+          </p:cNvPr>
+          <p:cNvCxnSpPr>
+            <a:cxnSpLocks/>
+            <a:stCxn id="33" idx="2"/>
+            <a:endCxn id="75" idx="0"/>
+          </p:cNvCxnSpPr>
+          <p:nvPr/>
+        </p:nvCxnSpPr>
+        <p:spPr>
+          <a:xfrm>
+            <a:off x="171823" y="3128674"/>
+            <a:ext cx="1" cy="612411"/>
+          </a:xfrm>
+          <a:prstGeom prst="straightConnector1">
+            <a:avLst/>
+          </a:prstGeom>
+          <a:ln w="12700">
+            <a:solidFill>
+              <a:schemeClr val="tx1"/>
+            </a:solidFill>
+            <a:tailEnd type="triangle"/>
+          </a:ln>
+        </p:spPr>
+        <p:style>
+          <a:lnRef idx="1">
+            <a:schemeClr val="accent1"/>
+          </a:lnRef>
+          <a:fillRef idx="0">
+            <a:schemeClr val="accent1"/>
+          </a:fillRef>
+          <a:effectRef idx="0">
+            <a:schemeClr val="accent1"/>
+          </a:effectRef>
+          <a:fontRef idx="minor">
+            <a:schemeClr val="tx1"/>
+          </a:fontRef>
+        </p:style>
+      </p:cxnSp>
+      <p:sp>
+        <p:nvSpPr>
+          <p:cNvPr id="44" name="TextBox 43">
+            <a:extLst>
+              <a:ext uri="{FF2B5EF4-FFF2-40B4-BE49-F238E27FC236}">
+                <a16:creationId xmlns:a16="http://schemas.microsoft.com/office/drawing/2014/main" id="{633BA102-7F46-D4ED-2450-FCA1021A3EC2}"/>
+              </a:ext>
+            </a:extLst>
+          </p:cNvPr>
+          <p:cNvSpPr txBox="1"/>
+          <p:nvPr/>
+        </p:nvSpPr>
+        <p:spPr>
+          <a:xfrm>
+            <a:off x="225906" y="3193981"/>
+            <a:ext cx="290464" cy="369332"/>
+          </a:xfrm>
+          <a:prstGeom prst="rect">
+            <a:avLst/>
+          </a:prstGeom>
+          <a:noFill/>
+          <a:ln w="12700">
+            <a:noFill/>
+          </a:ln>
+        </p:spPr>
+        <p:txBody>
+          <a:bodyPr wrap="none" rtlCol="0">
+            <a:spAutoFit/>
+          </a:bodyPr>
+          <a:lstStyle/>
+          <a:p>
+            <a:r>
+              <a:rPr lang="en-US" dirty="0"/>
+              <a:t>F</a:t>
+            </a:r>
+            <a:endParaRPr lang="vi-VN" dirty="0"/>
+          </a:p>
+        </p:txBody>
+      </p:sp>
+      <p:sp>
+        <p:nvSpPr>
+          <p:cNvPr id="75" name="Rectangle 74">
+            <a:extLst>
+              <a:ext uri="{FF2B5EF4-FFF2-40B4-BE49-F238E27FC236}">
+                <a16:creationId xmlns:a16="http://schemas.microsoft.com/office/drawing/2014/main" id="{4332FCAC-9750-FBA7-F195-A51D9A0E6E72}"/>
+              </a:ext>
+            </a:extLst>
+          </p:cNvPr>
+          <p:cNvSpPr/>
+          <p:nvPr/>
+        </p:nvSpPr>
+        <p:spPr>
+          <a:xfrm>
+            <a:off x="-2545013" y="3741085"/>
+            <a:ext cx="5433673" cy="541580"/>
+          </a:xfrm>
+          <a:prstGeom prst="rect">
+            <a:avLst/>
+          </a:prstGeom>
+          <a:noFill/>
+          <a:ln w="12700">
+            <a:solidFill>
+              <a:schemeClr val="tx1"/>
+            </a:solidFill>
+          </a:ln>
+        </p:spPr>
+        <p:style>
+          <a:lnRef idx="2">
+            <a:schemeClr val="accent1">
+              <a:shade val="15000"/>
+            </a:schemeClr>
+          </a:lnRef>
+          <a:fillRef idx="1">
+            <a:schemeClr val="accent1"/>
+          </a:fillRef>
+          <a:effectRef idx="0">
+            <a:schemeClr val="accent1"/>
+          </a:effectRef>
+          <a:fontRef idx="minor">
+            <a:schemeClr val="lt1"/>
+          </a:fontRef>
+        </p:style>
+        <p:txBody>
+          <a:bodyPr rtlCol="0" anchor="ctr"/>
+          <a:lstStyle/>
+          <a:p>
+            <a:pPr algn="ctr"/>
+            <a:r>
+              <a:rPr lang="en-US" sz="2400" dirty="0">
+                <a:solidFill>
+                  <a:schemeClr val="tx1"/>
+                </a:solidFill>
+                <a:latin typeface="Roboto" panose="02000000000000000000" pitchFamily="2" charset="0"/>
+              </a:rPr>
+              <a:t>(7) return "Cho </a:t>
+            </a:r>
+            <a:r>
+              <a:rPr lang="en-US" sz="2400" dirty="0" err="1">
+                <a:solidFill>
+                  <a:schemeClr val="tx1"/>
+                </a:solidFill>
+                <a:latin typeface="Roboto" panose="02000000000000000000" pitchFamily="2" charset="0"/>
+              </a:rPr>
+              <a:t>vay</a:t>
+            </a:r>
+            <a:r>
+              <a:rPr lang="en-US" sz="2400" dirty="0">
+                <a:solidFill>
+                  <a:schemeClr val="tx1"/>
+                </a:solidFill>
+                <a:latin typeface="Roboto" panose="02000000000000000000" pitchFamily="2" charset="0"/>
+              </a:rPr>
+              <a:t> </a:t>
+            </a:r>
+            <a:r>
+              <a:rPr lang="en-US" sz="2400" dirty="0" err="1">
+                <a:solidFill>
+                  <a:schemeClr val="tx1"/>
+                </a:solidFill>
+                <a:latin typeface="Roboto" panose="02000000000000000000" pitchFamily="2" charset="0"/>
+              </a:rPr>
+              <a:t>với</a:t>
+            </a:r>
+            <a:r>
+              <a:rPr lang="en-US" sz="2400" dirty="0">
+                <a:solidFill>
+                  <a:schemeClr val="tx1"/>
+                </a:solidFill>
+                <a:latin typeface="Roboto" panose="02000000000000000000" pitchFamily="2" charset="0"/>
+              </a:rPr>
+              <a:t> </a:t>
+            </a:r>
+            <a:r>
+              <a:rPr lang="en-US" sz="2400" dirty="0" err="1">
+                <a:solidFill>
+                  <a:schemeClr val="tx1"/>
+                </a:solidFill>
+                <a:latin typeface="Roboto" panose="02000000000000000000" pitchFamily="2" charset="0"/>
+              </a:rPr>
+              <a:t>lãi</a:t>
+            </a:r>
+            <a:r>
+              <a:rPr lang="en-US" sz="2400" dirty="0">
+                <a:solidFill>
+                  <a:schemeClr val="tx1"/>
+                </a:solidFill>
+                <a:latin typeface="Roboto" panose="02000000000000000000" pitchFamily="2" charset="0"/>
+              </a:rPr>
+              <a:t> </a:t>
+            </a:r>
+            <a:r>
+              <a:rPr lang="en-US" sz="2400" dirty="0" err="1">
+                <a:solidFill>
+                  <a:schemeClr val="tx1"/>
+                </a:solidFill>
+                <a:latin typeface="Roboto" panose="02000000000000000000" pitchFamily="2" charset="0"/>
+              </a:rPr>
+              <a:t>cao</a:t>
+            </a:r>
+            <a:r>
+              <a:rPr lang="en-US" sz="2400" dirty="0">
+                <a:solidFill>
+                  <a:schemeClr val="tx1"/>
+                </a:solidFill>
+                <a:latin typeface="Roboto" panose="02000000000000000000" pitchFamily="2" charset="0"/>
+              </a:rPr>
+              <a:t>"</a:t>
+            </a:r>
+            <a:endParaRPr lang="vi-VN" sz="2400" dirty="0">
+              <a:solidFill>
+                <a:schemeClr val="tx1"/>
+              </a:solidFill>
+            </a:endParaRPr>
+          </a:p>
+        </p:txBody>
+      </p:sp>
+      <p:sp>
+        <p:nvSpPr>
+          <p:cNvPr id="81" name="Rectangle: Rounded Corners 80">
+            <a:extLst>
+              <a:ext uri="{FF2B5EF4-FFF2-40B4-BE49-F238E27FC236}">
+                <a16:creationId xmlns:a16="http://schemas.microsoft.com/office/drawing/2014/main" id="{5A9698B9-2BD3-03F1-DD12-A493F77BC0D5}"/>
+              </a:ext>
+            </a:extLst>
+          </p:cNvPr>
+          <p:cNvSpPr/>
+          <p:nvPr/>
+        </p:nvSpPr>
+        <p:spPr>
+          <a:xfrm>
+            <a:off x="13543421" y="2121889"/>
+            <a:ext cx="2884129" cy="537497"/>
+          </a:xfrm>
+          <a:prstGeom prst="roundRect">
+            <a:avLst/>
+          </a:prstGeom>
+          <a:noFill/>
+          <a:ln w="12700">
+            <a:solidFill>
+              <a:schemeClr val="tx1"/>
+            </a:solidFill>
+          </a:ln>
+        </p:spPr>
+        <p:style>
+          <a:lnRef idx="2">
+            <a:schemeClr val="accent1">
+              <a:shade val="15000"/>
+            </a:schemeClr>
+          </a:lnRef>
+          <a:fillRef idx="1">
+            <a:schemeClr val="accent1"/>
+          </a:fillRef>
+          <a:effectRef idx="0">
+            <a:schemeClr val="accent1"/>
+          </a:effectRef>
+          <a:fontRef idx="minor">
+            <a:schemeClr val="lt1"/>
+          </a:fontRef>
+        </p:style>
+        <p:txBody>
+          <a:bodyPr rtlCol="0" anchor="ctr"/>
+          <a:lstStyle/>
+          <a:p>
+            <a:pPr algn="ctr"/>
+            <a:r>
+              <a:rPr lang="en-US" sz="2800" dirty="0">
+                <a:solidFill>
+                  <a:schemeClr val="tx1"/>
+                </a:solidFill>
+              </a:rPr>
+              <a:t>End</a:t>
+            </a:r>
+            <a:endParaRPr lang="vi-VN" sz="2800" dirty="0">
+              <a:solidFill>
+                <a:schemeClr val="tx1"/>
+              </a:solidFill>
+            </a:endParaRPr>
+          </a:p>
+        </p:txBody>
+      </p:sp>
+      <p:cxnSp>
+        <p:nvCxnSpPr>
+          <p:cNvPr id="89" name="Connector: Elbow 88">
+            <a:extLst>
+              <a:ext uri="{FF2B5EF4-FFF2-40B4-BE49-F238E27FC236}">
+                <a16:creationId xmlns:a16="http://schemas.microsoft.com/office/drawing/2014/main" id="{B795BB83-EB43-B2F1-F6F9-2BF3AFFE6431}"/>
+              </a:ext>
+            </a:extLst>
+          </p:cNvPr>
+          <p:cNvCxnSpPr>
+            <a:cxnSpLocks/>
+            <a:stCxn id="25" idx="3"/>
+            <a:endCxn id="81" idx="1"/>
+          </p:cNvCxnSpPr>
+          <p:nvPr/>
+        </p:nvCxnSpPr>
+        <p:spPr>
+          <a:xfrm>
+            <a:off x="10774680" y="197719"/>
+            <a:ext cx="2768741" cy="2192919"/>
+          </a:xfrm>
+          <a:prstGeom prst="bentConnector3">
+            <a:avLst>
+              <a:gd name="adj1" fmla="val 50000"/>
+            </a:avLst>
+          </a:prstGeom>
+          <a:ln w="12700">
+            <a:solidFill>
+              <a:schemeClr val="tx1"/>
+            </a:solidFill>
+            <a:tailEnd type="triangle"/>
+          </a:ln>
+        </p:spPr>
+        <p:style>
+          <a:lnRef idx="1">
+            <a:schemeClr val="accent1"/>
+          </a:lnRef>
+          <a:fillRef idx="0">
+            <a:schemeClr val="accent1"/>
+          </a:fillRef>
+          <a:effectRef idx="0">
+            <a:schemeClr val="accent1"/>
+          </a:effectRef>
+          <a:fontRef idx="minor">
+            <a:schemeClr val="tx1"/>
+          </a:fontRef>
+        </p:style>
+      </p:cxnSp>
+      <p:cxnSp>
+        <p:nvCxnSpPr>
+          <p:cNvPr id="91" name="Connector: Elbow 90">
+            <a:extLst>
+              <a:ext uri="{FF2B5EF4-FFF2-40B4-BE49-F238E27FC236}">
+                <a16:creationId xmlns:a16="http://schemas.microsoft.com/office/drawing/2014/main" id="{750FF6EF-2C97-1CFB-17F7-3E9595FB61CA}"/>
+              </a:ext>
+            </a:extLst>
+          </p:cNvPr>
+          <p:cNvCxnSpPr>
+            <a:cxnSpLocks/>
+            <a:stCxn id="34" idx="3"/>
+            <a:endCxn id="81" idx="1"/>
+          </p:cNvCxnSpPr>
+          <p:nvPr/>
+        </p:nvCxnSpPr>
+        <p:spPr>
+          <a:xfrm>
+            <a:off x="10774680" y="2355826"/>
+            <a:ext cx="2768741" cy="34812"/>
+          </a:xfrm>
+          <a:prstGeom prst="bentConnector3">
+            <a:avLst>
+              <a:gd name="adj1" fmla="val 50000"/>
+            </a:avLst>
+          </a:prstGeom>
+          <a:ln w="12700">
+            <a:solidFill>
+              <a:schemeClr val="tx1"/>
+            </a:solidFill>
+            <a:tailEnd type="triangle"/>
+          </a:ln>
+        </p:spPr>
+        <p:style>
+          <a:lnRef idx="1">
+            <a:schemeClr val="accent1"/>
+          </a:lnRef>
+          <a:fillRef idx="0">
+            <a:schemeClr val="accent1"/>
+          </a:fillRef>
+          <a:effectRef idx="0">
+            <a:schemeClr val="accent1"/>
+          </a:effectRef>
+          <a:fontRef idx="minor">
+            <a:schemeClr val="tx1"/>
+          </a:fontRef>
+        </p:style>
+      </p:cxnSp>
+      <p:cxnSp>
+        <p:nvCxnSpPr>
+          <p:cNvPr id="96" name="Connector: Elbow 95">
+            <a:extLst>
+              <a:ext uri="{FF2B5EF4-FFF2-40B4-BE49-F238E27FC236}">
+                <a16:creationId xmlns:a16="http://schemas.microsoft.com/office/drawing/2014/main" id="{5CBD9DC4-BB00-8969-6176-7653DD86E42C}"/>
+              </a:ext>
+            </a:extLst>
+          </p:cNvPr>
+          <p:cNvCxnSpPr>
+            <a:cxnSpLocks/>
+            <a:stCxn id="75" idx="3"/>
+            <a:endCxn id="81" idx="1"/>
+          </p:cNvCxnSpPr>
+          <p:nvPr/>
+        </p:nvCxnSpPr>
+        <p:spPr>
+          <a:xfrm flipV="1">
+            <a:off x="2888660" y="2390638"/>
+            <a:ext cx="10654761" cy="1621237"/>
+          </a:xfrm>
+          <a:prstGeom prst="bentConnector3">
+            <a:avLst>
+              <a:gd name="adj1" fmla="val 87189"/>
+            </a:avLst>
+          </a:prstGeom>
+          <a:ln w="12700">
+            <a:solidFill>
+              <a:schemeClr val="tx1"/>
+            </a:solidFill>
+            <a:tailEnd type="triangle"/>
+          </a:ln>
+        </p:spPr>
+        <p:style>
+          <a:lnRef idx="1">
+            <a:schemeClr val="accent1"/>
+          </a:lnRef>
+          <a:fillRef idx="0">
+            <a:schemeClr val="accent1"/>
+          </a:fillRef>
+          <a:effectRef idx="0">
+            <a:schemeClr val="accent1"/>
+          </a:effectRef>
+          <a:fontRef idx="minor">
+            <a:schemeClr val="tx1"/>
+          </a:fontRef>
+        </p:style>
+      </p:cxnSp>
+      <p:cxnSp>
+        <p:nvCxnSpPr>
+          <p:cNvPr id="103" name="Connector: Elbow 102">
+            <a:extLst>
+              <a:ext uri="{FF2B5EF4-FFF2-40B4-BE49-F238E27FC236}">
+                <a16:creationId xmlns:a16="http://schemas.microsoft.com/office/drawing/2014/main" id="{18F8977E-7EFA-68F3-A8FE-5511BCEE6351}"/>
+              </a:ext>
+            </a:extLst>
+          </p:cNvPr>
+          <p:cNvCxnSpPr>
+            <a:cxnSpLocks/>
+            <a:stCxn id="10" idx="3"/>
+            <a:endCxn id="81" idx="1"/>
+          </p:cNvCxnSpPr>
+          <p:nvPr/>
+        </p:nvCxnSpPr>
+        <p:spPr>
+          <a:xfrm>
+            <a:off x="10774680" y="-1949857"/>
+            <a:ext cx="2768741" cy="4340495"/>
+          </a:xfrm>
+          <a:prstGeom prst="bentConnector3">
+            <a:avLst>
+              <a:gd name="adj1" fmla="val 50000"/>
+            </a:avLst>
+          </a:prstGeom>
+          <a:ln w="12700">
+            <a:solidFill>
+              <a:schemeClr val="tx1"/>
+            </a:solidFill>
+            <a:tailEnd type="triangle"/>
+          </a:ln>
+        </p:spPr>
+        <p:style>
+          <a:lnRef idx="1">
+            <a:schemeClr val="accent1"/>
+          </a:lnRef>
+          <a:fillRef idx="0">
+            <a:schemeClr val="accent1"/>
+          </a:fillRef>
+          <a:effectRef idx="0">
+            <a:schemeClr val="accent1"/>
+          </a:effectRef>
+          <a:fontRef idx="minor">
+            <a:schemeClr val="tx1"/>
+          </a:fontRef>
+        </p:style>
+      </p:cxnSp>
+    </p:spTree>
+    <p:extLst>
+      <p:ext uri="{BB962C8B-B14F-4D97-AF65-F5344CB8AC3E}">
+        <p14:creationId xmlns:p14="http://schemas.microsoft.com/office/powerpoint/2010/main" val="1056539643"/>
       </p:ext>
     </p:extLst>
   </p:cSld>
